--- a/docs/Готовое/процессор.pptx
+++ b/docs/Готовое/процессор.pptx
@@ -205,7 +205,7 @@
           <a:p>
             <a:fld id="{B373F890-5DCF-8C40-80C0-26B9CFF548BC}" type="datetimeFigureOut">
               <a:rPr lang="ru-RU" smtClean="0"/>
-              <a:t>12.05.2020</a:t>
+              <a:t>17.05.2020</a:t>
             </a:fld>
             <a:endParaRPr lang="ru-RU"/>
           </a:p>
@@ -619,7 +619,7 @@
           <a:p>
             <a:fld id="{101035BD-39C5-AF43-8801-48CE49CD8F2C}" type="datetime1">
               <a:rPr lang="ru-RU" smtClean="0"/>
-              <a:t>12.05.2020</a:t>
+              <a:t>17.05.2020</a:t>
             </a:fld>
             <a:endParaRPr lang="ru-RU"/>
           </a:p>
@@ -817,7 +817,7 @@
           <a:p>
             <a:fld id="{70E61DF6-50A6-014F-AA61-713FBD7FA69C}" type="datetime1">
               <a:rPr lang="ru-RU" smtClean="0"/>
-              <a:t>12.05.2020</a:t>
+              <a:t>17.05.2020</a:t>
             </a:fld>
             <a:endParaRPr lang="ru-RU"/>
           </a:p>
@@ -1025,7 +1025,7 @@
           <a:p>
             <a:fld id="{0B747977-6889-D745-85BB-74921460F14D}" type="datetime1">
               <a:rPr lang="ru-RU" smtClean="0"/>
-              <a:t>12.05.2020</a:t>
+              <a:t>17.05.2020</a:t>
             </a:fld>
             <a:endParaRPr lang="ru-RU"/>
           </a:p>
@@ -1223,7 +1223,7 @@
           <a:p>
             <a:fld id="{CE928BF4-236D-0D42-B318-7211976487AE}" type="datetime1">
               <a:rPr lang="ru-RU" smtClean="0"/>
-              <a:t>12.05.2020</a:t>
+              <a:t>17.05.2020</a:t>
             </a:fld>
             <a:endParaRPr lang="ru-RU"/>
           </a:p>
@@ -1498,7 +1498,7 @@
           <a:p>
             <a:fld id="{39DB2BDF-9D3E-394A-A28E-ECE18BA45B56}" type="datetime1">
               <a:rPr lang="ru-RU" smtClean="0"/>
-              <a:t>12.05.2020</a:t>
+              <a:t>17.05.2020</a:t>
             </a:fld>
             <a:endParaRPr lang="ru-RU"/>
           </a:p>
@@ -1763,7 +1763,7 @@
           <a:p>
             <a:fld id="{F8D8FEC3-CDC0-8B42-B0E8-720E7E222D9F}" type="datetime1">
               <a:rPr lang="ru-RU" smtClean="0"/>
-              <a:t>12.05.2020</a:t>
+              <a:t>17.05.2020</a:t>
             </a:fld>
             <a:endParaRPr lang="ru-RU"/>
           </a:p>
@@ -2175,7 +2175,7 @@
           <a:p>
             <a:fld id="{FCAB2EAE-7E72-AA4A-8300-ADB3D750F9E9}" type="datetime1">
               <a:rPr lang="ru-RU" smtClean="0"/>
-              <a:t>12.05.2020</a:t>
+              <a:t>17.05.2020</a:t>
             </a:fld>
             <a:endParaRPr lang="ru-RU"/>
           </a:p>
@@ -2316,7 +2316,7 @@
           <a:p>
             <a:fld id="{3C39839A-A3DB-D548-8729-4890099837DF}" type="datetime1">
               <a:rPr lang="ru-RU" smtClean="0"/>
-              <a:t>12.05.2020</a:t>
+              <a:t>17.05.2020</a:t>
             </a:fld>
             <a:endParaRPr lang="ru-RU"/>
           </a:p>
@@ -2429,7 +2429,7 @@
           <a:p>
             <a:fld id="{206BE30B-E622-554D-BFC2-234EF0591224}" type="datetime1">
               <a:rPr lang="ru-RU" smtClean="0"/>
-              <a:t>12.05.2020</a:t>
+              <a:t>17.05.2020</a:t>
             </a:fld>
             <a:endParaRPr lang="ru-RU"/>
           </a:p>
@@ -2740,7 +2740,7 @@
           <a:p>
             <a:fld id="{125FCBE5-3966-C141-ABE3-CCD0F917658F}" type="datetime1">
               <a:rPr lang="ru-RU" smtClean="0"/>
-              <a:t>12.05.2020</a:t>
+              <a:t>17.05.2020</a:t>
             </a:fld>
             <a:endParaRPr lang="ru-RU"/>
           </a:p>
@@ -3028,7 +3028,7 @@
           <a:p>
             <a:fld id="{CCD17F47-2B86-4548-94F1-0DD03A68AF81}" type="datetime1">
               <a:rPr lang="ru-RU" smtClean="0"/>
-              <a:t>12.05.2020</a:t>
+              <a:t>17.05.2020</a:t>
             </a:fld>
             <a:endParaRPr lang="ru-RU"/>
           </a:p>
@@ -3269,7 +3269,7 @@
           <a:p>
             <a:fld id="{4CB3BE03-9F2E-C44E-AA39-7DED8F19048E}" type="datetime1">
               <a:rPr lang="ru-RU" smtClean="0"/>
-              <a:t>12.05.2020</a:t>
+              <a:t>17.05.2020</a:t>
             </a:fld>
             <a:endParaRPr lang="ru-RU"/>
           </a:p>
@@ -3876,7 +3876,7 @@
         </p:spPr>
         <p:txBody>
           <a:bodyPr>
-            <a:normAutofit fontScale="70000" lnSpcReduction="20000"/>
+            <a:normAutofit fontScale="92500" lnSpcReduction="10000"/>
           </a:bodyPr>
           <a:lstStyle/>
           <a:p>
@@ -3884,56 +3884,56 @@
               <a:buNone/>
             </a:pPr>
             <a:r>
-              <a:rPr lang="ru-RU" dirty="0"/>
+              <a:rPr lang="ru-RU" sz="2000" dirty="0"/>
               <a:t>Оперативная память – </a:t>
             </a:r>
             <a:r>
-              <a:rPr lang="ru-RU" b="1" dirty="0"/>
+              <a:rPr lang="ru-RU" sz="2000" b="1" dirty="0"/>
               <a:t>16</a:t>
             </a:r>
             <a:r>
-              <a:rPr lang="ru-RU" dirty="0"/>
+              <a:rPr lang="ru-RU" sz="2000" dirty="0"/>
               <a:t> восьмиразрядных ячеек</a:t>
             </a:r>
             <a:br>
-              <a:rPr lang="ru-RU" dirty="0"/>
+              <a:rPr lang="ru-RU" sz="2000" dirty="0"/>
             </a:br>
             <a:r>
-              <a:rPr lang="ru-RU" dirty="0"/>
+              <a:rPr lang="ru-RU" sz="2000" dirty="0"/>
               <a:t>Регистровая память – </a:t>
             </a:r>
             <a:r>
-              <a:rPr lang="ru-RU" b="1" dirty="0"/>
+              <a:rPr lang="ru-RU" sz="2000" b="1" dirty="0"/>
               <a:t>8</a:t>
             </a:r>
             <a:r>
-              <a:rPr lang="ru-RU" dirty="0"/>
+              <a:rPr lang="ru-RU" sz="2000" dirty="0"/>
               <a:t> четырехразрядных ячеек</a:t>
             </a:r>
             <a:br>
-              <a:rPr lang="ru-RU" dirty="0"/>
+              <a:rPr lang="ru-RU" sz="2000" dirty="0"/>
             </a:br>
             <a:r>
-              <a:rPr lang="ru-RU" dirty="0"/>
+              <a:rPr lang="ru-RU" sz="2000" dirty="0"/>
               <a:t>Слово = </a:t>
             </a:r>
             <a:r>
-              <a:rPr lang="ru-RU" b="1" dirty="0"/>
+              <a:rPr lang="ru-RU" sz="2000" b="1" dirty="0"/>
               <a:t>4 разряда</a:t>
             </a:r>
             <a:br>
-              <a:rPr lang="ru-RU" dirty="0"/>
+              <a:rPr lang="ru-RU" sz="2000" dirty="0"/>
             </a:br>
             <a:r>
-              <a:rPr lang="ru-RU" dirty="0"/>
+              <a:rPr lang="ru-RU" sz="2000" dirty="0"/>
               <a:t>Операнды – </a:t>
             </a:r>
             <a:r>
-              <a:rPr lang="ru-RU" b="1" dirty="0"/>
+              <a:rPr lang="ru-RU" sz="2000" b="1" dirty="0"/>
               <a:t>дробные числа </a:t>
             </a:r>
             <a:r>
-              <a:rPr lang="ru-RU" dirty="0"/>
+              <a:rPr lang="ru-RU" sz="2000" dirty="0"/>
               <a:t>с фиксированной запятой в дополнительном коде</a:t>
             </a:r>
           </a:p>
@@ -3942,7 +3942,7 @@
               <a:buNone/>
             </a:pPr>
             <a:r>
-              <a:rPr lang="ru-RU" dirty="0"/>
+              <a:rPr lang="ru-RU" sz="2000" dirty="0"/>
               <a:t>Формат команд:</a:t>
             </a:r>
           </a:p>
@@ -3951,93 +3951,97 @@
               <a:buNone/>
             </a:pPr>
             <a:r>
-              <a:rPr lang="ru-RU" b="1" dirty="0"/>
+              <a:rPr lang="ru-RU" sz="2000" b="1" dirty="0"/>
               <a:t>Первый операнд </a:t>
             </a:r>
             <a:r>
-              <a:rPr lang="ru-RU" dirty="0"/>
+              <a:rPr lang="ru-RU" sz="2000" dirty="0"/>
               <a:t>команды хранится в </a:t>
             </a:r>
             <a:r>
-              <a:rPr lang="ru-RU" b="1" dirty="0"/>
+              <a:rPr lang="ru-RU" sz="2000" b="1" dirty="0"/>
               <a:t>РП</a:t>
             </a:r>
             <a:r>
-              <a:rPr lang="ru-RU" dirty="0"/>
+              <a:rPr lang="ru-RU" sz="2000" dirty="0"/>
               <a:t>. Адресация прямая</a:t>
             </a:r>
             <a:br>
-              <a:rPr lang="ru-RU" dirty="0"/>
+              <a:rPr lang="ru-RU" sz="2000" dirty="0"/>
             </a:br>
             <a:r>
-              <a:rPr lang="ru-RU" b="1" dirty="0"/>
+              <a:rPr lang="ru-RU" sz="2000" b="1" dirty="0"/>
               <a:t>Второй операнд </a:t>
             </a:r>
             <a:r>
-              <a:rPr lang="ru-RU" dirty="0"/>
+              <a:rPr lang="ru-RU" sz="2000" dirty="0"/>
               <a:t>хранится в </a:t>
             </a:r>
             <a:r>
-              <a:rPr lang="ru-RU" b="1" dirty="0"/>
+              <a:rPr lang="ru-RU" sz="2000" b="1" dirty="0"/>
               <a:t>ОП</a:t>
             </a:r>
             <a:r>
-              <a:rPr lang="ru-RU" dirty="0"/>
-              <a:t> с прямой адресацией при </a:t>
-            </a:r>
-            <a:r>
-              <a:rPr lang="en-US" dirty="0"/>
+              <a:rPr lang="ru-RU" sz="2000" dirty="0"/>
+              <a:t> (</a:t>
+            </a:r>
+            <a:r>
+              <a:rPr lang="en-US" sz="2000" dirty="0"/>
               <a:t>PA2=0 </a:t>
             </a:r>
             <a:r>
-              <a:rPr lang="ru-RU" dirty="0"/>
-              <a:t>или с </a:t>
-            </a:r>
-            <a:r>
-              <a:rPr lang="ru-RU" dirty="0" err="1"/>
-              <a:t>постиндексной</a:t>
-            </a:r>
-            <a:r>
-              <a:rPr lang="ru-RU" dirty="0"/>
-              <a:t> косвенной вар. 2 при </a:t>
-            </a:r>
-            <a:r>
-              <a:rPr lang="en-US" dirty="0"/>
+              <a:rPr lang="ru-RU" sz="2000" dirty="0"/>
+              <a:t>- прямая адресация, </a:t>
+            </a:r>
+            <a:r>
+              <a:rPr lang="en-US" sz="2000" dirty="0"/>
               <a:t>PA2=1</a:t>
             </a:r>
+            <a:r>
+              <a:rPr lang="ru-RU" sz="2000" dirty="0"/>
+              <a:t> - </a:t>
+            </a:r>
+            <a:r>
+              <a:rPr lang="ru-RU" sz="2000" dirty="0" err="1"/>
+              <a:t>постиндексная</a:t>
+            </a:r>
+            <a:r>
+              <a:rPr lang="ru-RU" sz="2000" dirty="0"/>
+              <a:t> косвенная вариант 2)</a:t>
+            </a:r>
             <a:br>
-              <a:rPr lang="ru-RU" dirty="0"/>
+              <a:rPr lang="ru-RU" sz="2000" dirty="0"/>
             </a:br>
             <a:r>
-              <a:rPr lang="ru-RU" dirty="0"/>
+              <a:rPr lang="ru-RU" sz="2000" dirty="0"/>
               <a:t>Результат операции </a:t>
             </a:r>
             <a:r>
-              <a:rPr lang="ru-RU" b="1" dirty="0"/>
+              <a:rPr lang="ru-RU" sz="2000" b="1" dirty="0"/>
               <a:t>УМНОЖЕНИЕ</a:t>
             </a:r>
             <a:r>
-              <a:rPr lang="ru-RU" dirty="0"/>
+              <a:rPr lang="ru-RU" sz="2000" dirty="0"/>
               <a:t> записывается по адресу </a:t>
             </a:r>
             <a:r>
-              <a:rPr lang="ru-RU" b="1" dirty="0"/>
+              <a:rPr lang="ru-RU" sz="2000" b="1" dirty="0"/>
               <a:t>второго операнда</a:t>
             </a:r>
             <a:r>
-              <a:rPr lang="ru-RU" dirty="0"/>
+              <a:rPr lang="ru-RU" sz="2000" dirty="0"/>
               <a:t>. Результат операции </a:t>
             </a:r>
             <a:r>
-              <a:rPr lang="ru-RU" b="1" dirty="0"/>
-              <a:t>ПЕРЕСЫЛКА ОТРИЦАТЛЬНАЯ </a:t>
-            </a:r>
-            <a:r>
-              <a:rPr lang="ru-RU" dirty="0"/>
+              <a:rPr lang="ru-RU" sz="2000" b="1" dirty="0"/>
+              <a:t>ПЕРЕСЫЛКА ОТРИЦАТЕЛЬНАЯ </a:t>
+            </a:r>
+            <a:r>
+              <a:rPr lang="ru-RU" sz="2000" dirty="0"/>
               <a:t>записывается по адресу </a:t>
             </a:r>
             <a:r>
-              <a:rPr lang="ru-RU" b="1" dirty="0"/>
+              <a:rPr lang="ru-RU" sz="2000" b="1" dirty="0"/>
               <a:t>первого операнда</a:t>
             </a:r>
           </a:p>
@@ -4046,7 +4050,7 @@
               <a:buNone/>
             </a:pPr>
             <a:r>
-              <a:rPr lang="ru-RU" dirty="0"/>
+              <a:rPr lang="ru-RU" sz="2000" dirty="0"/>
               <a:t>Операции:</a:t>
             </a:r>
           </a:p>
@@ -4055,23 +4059,45 @@
               <a:buNone/>
             </a:pPr>
             <a:r>
-              <a:rPr lang="ru-RU" b="1" dirty="0"/>
+              <a:rPr lang="ru-RU" sz="2000" b="1" dirty="0"/>
               <a:t>УМНОЖЕНИЕ</a:t>
             </a:r>
             <a:r>
-              <a:rPr lang="ru-RU" dirty="0"/>
+              <a:rPr lang="ru-RU" sz="2000" dirty="0"/>
               <a:t> – алгоритм умножения чисел в дополнительном коде с младших разрядов множителя и сдвигом частичных произведений вправо путем последовательного преобразования множителя</a:t>
             </a:r>
             <a:br>
-              <a:rPr lang="ru-RU" dirty="0"/>
+              <a:rPr lang="ru-RU" sz="2000" dirty="0"/>
             </a:br>
             <a:r>
-              <a:rPr lang="ru-RU" b="1" dirty="0"/>
+              <a:rPr lang="ru-RU" sz="2000" b="1" dirty="0"/>
               <a:t>ПЕРЕСЫЛКА ОТРИЦАТЕЛЬНАЯ </a:t>
             </a:r>
             <a:r>
-              <a:rPr lang="ru-RU" dirty="0"/>
-              <a:t>– дополнительный код абсолютного значения второго операнда помещается по адресу первого операнда. Нуль, имеющий положительный знак, остается без изменения. Результат отличается от второго операнда только для положительных чисел; отрицательные числа остаются без изменения. Устанавливается признак результата: 0 – результат равен нулю, 1 – результат меньше нуля</a:t>
+              <a:rPr lang="ru-RU" sz="2000" dirty="0"/>
+              <a:t>– дополнительный код абсолютного значения второго операнда помещается </a:t>
+            </a:r>
+            <a:br>
+              <a:rPr lang="ru-RU" sz="2000" dirty="0"/>
+            </a:br>
+            <a:r>
+              <a:rPr lang="ru-RU" sz="2000" dirty="0"/>
+              <a:t>по адресу первого операнда. Нуль, имеющий положительный знак, остается без изменения. Результат отличается от второго операнда только для положительных чисел; отрицательные числа остаются </a:t>
+            </a:r>
+            <a:br>
+              <a:rPr lang="ru-RU" sz="2000" dirty="0"/>
+            </a:br>
+            <a:r>
+              <a:rPr lang="ru-RU" sz="2000" dirty="0"/>
+              <a:t>без изменения. Устанавливается признак результата: 0 – (результат = 0), 1 – (результат </a:t>
+            </a:r>
+            <a:r>
+              <a:rPr lang="en-US" sz="2000" dirty="0"/>
+              <a:t>&lt;</a:t>
+            </a:r>
+            <a:r>
+              <a:rPr lang="ru-RU" sz="2000" dirty="0"/>
+              <a:t> 0)</a:t>
             </a:r>
           </a:p>
           <a:p>
@@ -4079,25 +4105,25 @@
               <a:buNone/>
             </a:pPr>
             <a:br>
-              <a:rPr lang="ru-RU" dirty="0"/>
+              <a:rPr lang="ru-RU" sz="2000" dirty="0"/>
             </a:br>
             <a:r>
-              <a:rPr lang="ru-RU" b="1" dirty="0"/>
+              <a:rPr lang="ru-RU" sz="2000" b="1" dirty="0"/>
               <a:t>ПЕРЕХОД, ЕСЛИ 1 </a:t>
             </a:r>
             <a:r>
-              <a:rPr lang="ru-RU" dirty="0"/>
+              <a:rPr lang="ru-RU" sz="2000" dirty="0"/>
               <a:t>– продвинутый адрес в счетчике команд замещается адресом перехода, если значение признака результата равно 1. Для задания адреса перехода используется относительная адресация (в команде указывается смещение со знаком)</a:t>
             </a:r>
             <a:br>
-              <a:rPr lang="ru-RU" dirty="0"/>
+              <a:rPr lang="ru-RU" sz="2000" dirty="0"/>
             </a:br>
             <a:r>
-              <a:rPr lang="ru-RU" b="1" dirty="0"/>
+              <a:rPr lang="ru-RU" sz="2000" b="1" dirty="0"/>
               <a:t>БЕЗУСЛОВНЫЙ ПЕРЕХОД </a:t>
             </a:r>
             <a:r>
-              <a:rPr lang="ru-RU" dirty="0"/>
+              <a:rPr lang="ru-RU" sz="2000" dirty="0"/>
               <a:t>– продвинутый адрес в счетчике команд замещается адресом перехода. Для задания адреса перехода используется относительная адресация (в команде указывается смещение со знаком)</a:t>
             </a:r>
           </a:p>
@@ -4176,16 +4202,15 @@
           </p:cNvPicPr>
           <p:nvPr/>
         </p:nvPicPr>
-        <p:blipFill>
+        <p:blipFill rotWithShape="1">
           <a:blip r:embed="rId2"/>
-          <a:stretch>
-            <a:fillRect/>
-          </a:stretch>
+          <a:srcRect b="17020"/>
+          <a:stretch/>
         </p:blipFill>
         <p:spPr>
           <a:xfrm>
-            <a:off x="838200" y="1493434"/>
-            <a:ext cx="5115040" cy="3871131"/>
+            <a:off x="841324" y="2009490"/>
+            <a:ext cx="5108789" cy="3208349"/>
           </a:xfrm>
           <a:prstGeom prst="rect">
             <a:avLst/>

--- a/docs/Готовое/процессор.pptx
+++ b/docs/Готовое/процессор.pptx
@@ -3870,13 +3870,13 @@
         </p:nvSpPr>
         <p:spPr>
           <a:xfrm>
-            <a:off x="338667" y="583141"/>
-            <a:ext cx="11667066" cy="6147859"/>
+            <a:off x="0" y="547101"/>
+            <a:ext cx="12192001" cy="6310899"/>
           </a:xfrm>
         </p:spPr>
         <p:txBody>
           <a:bodyPr>
-            <a:normAutofit fontScale="92500" lnSpcReduction="10000"/>
+            <a:normAutofit fontScale="92500"/>
           </a:bodyPr>
           <a:lstStyle/>
           <a:p>
@@ -3884,174 +3884,173 @@
               <a:buNone/>
             </a:pPr>
             <a:r>
-              <a:rPr lang="ru-RU" sz="2000" dirty="0"/>
+              <a:rPr lang="ru-RU" sz="2400" dirty="0"/>
               <a:t>Оперативная память – </a:t>
             </a:r>
             <a:r>
-              <a:rPr lang="ru-RU" sz="2000" b="1" dirty="0"/>
+              <a:rPr lang="ru-RU" sz="2400" b="1" dirty="0"/>
               <a:t>16</a:t>
             </a:r>
             <a:r>
-              <a:rPr lang="ru-RU" sz="2000" dirty="0"/>
-              <a:t> восьмиразрядных ячеек</a:t>
+              <a:rPr lang="en-US" sz="2400" b="1" dirty="0"/>
+              <a:t>x8 </a:t>
+            </a:r>
+            <a:r>
+              <a:rPr lang="en-US" sz="2400" dirty="0"/>
+              <a:t>		</a:t>
+            </a:r>
+            <a:r>
+              <a:rPr lang="ru-RU" sz="2400" dirty="0"/>
+              <a:t>	Операнды – </a:t>
+            </a:r>
+            <a:r>
+              <a:rPr lang="ru-RU" sz="2400" b="1" dirty="0"/>
+              <a:t>дробные числа </a:t>
+            </a:r>
+            <a:r>
+              <a:rPr lang="ru-RU" sz="2400" dirty="0"/>
+              <a:t>в дополнительном коде</a:t>
             </a:r>
             <a:br>
-              <a:rPr lang="ru-RU" sz="2000" dirty="0"/>
+              <a:rPr lang="en-US" sz="2400" dirty="0"/>
             </a:br>
             <a:r>
-              <a:rPr lang="ru-RU" sz="2000" dirty="0"/>
+              <a:rPr lang="ru-RU" sz="2400" dirty="0"/>
               <a:t>Регистровая память – </a:t>
             </a:r>
             <a:r>
-              <a:rPr lang="ru-RU" sz="2000" b="1" dirty="0"/>
+              <a:rPr lang="ru-RU" sz="2400" b="1" dirty="0"/>
               <a:t>8</a:t>
             </a:r>
             <a:r>
-              <a:rPr lang="ru-RU" sz="2000" dirty="0"/>
-              <a:t> четырехразрядных ячеек</a:t>
-            </a:r>
-            <a:br>
-              <a:rPr lang="ru-RU" sz="2000" dirty="0"/>
-            </a:br>
-            <a:r>
-              <a:rPr lang="ru-RU" sz="2000" dirty="0"/>
-              <a:t>Слово = </a:t>
-            </a:r>
-            <a:r>
-              <a:rPr lang="ru-RU" sz="2000" b="1" dirty="0"/>
+              <a:rPr lang="en-US" sz="2400" b="1" dirty="0"/>
+              <a:t>x4</a:t>
+            </a:r>
+            <a:r>
+              <a:rPr lang="en-US" sz="2400" dirty="0"/>
+              <a:t> 		</a:t>
+            </a:r>
+            <a:r>
+              <a:rPr lang="ru-RU" sz="2400" dirty="0"/>
+              <a:t>	Слово = </a:t>
+            </a:r>
+            <a:r>
+              <a:rPr lang="ru-RU" sz="2400" b="1" dirty="0"/>
               <a:t>4 разряда</a:t>
             </a:r>
-            <a:br>
-              <a:rPr lang="ru-RU" sz="2000" dirty="0"/>
-            </a:br>
-            <a:r>
-              <a:rPr lang="ru-RU" sz="2000" dirty="0"/>
-              <a:t>Операнды – </a:t>
-            </a:r>
-            <a:r>
-              <a:rPr lang="ru-RU" sz="2000" b="1" dirty="0"/>
-              <a:t>дробные числа </a:t>
-            </a:r>
-            <a:r>
-              <a:rPr lang="ru-RU" sz="2000" dirty="0"/>
-              <a:t>с фиксированной запятой в дополнительном коде</a:t>
-            </a:r>
-          </a:p>
-          <a:p>
-            <a:pPr marL="0" indent="0" algn="ctr">
-              <a:buNone/>
-            </a:pPr>
-            <a:r>
-              <a:rPr lang="ru-RU" sz="2000" dirty="0"/>
-              <a:t>Формат команд:</a:t>
-            </a:r>
+            <a:endParaRPr lang="en-US" sz="2400" b="1" dirty="0"/>
           </a:p>
           <a:p>
             <a:pPr marL="0" indent="0">
               <a:buNone/>
             </a:pPr>
             <a:r>
-              <a:rPr lang="ru-RU" sz="2000" b="1" dirty="0"/>
+              <a:rPr lang="ru-RU" dirty="0"/>
+              <a:t>	Формат команд:</a:t>
+            </a:r>
+            <a:br>
+              <a:rPr lang="en-US" dirty="0"/>
+            </a:br>
+            <a:r>
+              <a:rPr lang="ru-RU" sz="2400" b="1" dirty="0"/>
               <a:t>Первый операнд </a:t>
             </a:r>
             <a:r>
-              <a:rPr lang="ru-RU" sz="2000" dirty="0"/>
+              <a:rPr lang="ru-RU" sz="2400" dirty="0"/>
               <a:t>команды хранится в </a:t>
             </a:r>
             <a:r>
-              <a:rPr lang="ru-RU" sz="2000" b="1" dirty="0"/>
+              <a:rPr lang="ru-RU" sz="2400" b="1" dirty="0"/>
               <a:t>РП</a:t>
             </a:r>
             <a:r>
-              <a:rPr lang="ru-RU" sz="2000" dirty="0"/>
+              <a:rPr lang="ru-RU" sz="2400" dirty="0"/>
               <a:t>. Адресация прямая</a:t>
             </a:r>
             <a:br>
-              <a:rPr lang="ru-RU" sz="2000" dirty="0"/>
+              <a:rPr lang="ru-RU" sz="2400" dirty="0"/>
             </a:br>
             <a:r>
-              <a:rPr lang="ru-RU" sz="2000" b="1" dirty="0"/>
+              <a:rPr lang="ru-RU" sz="2400" b="1" dirty="0"/>
               <a:t>Второй операнд </a:t>
             </a:r>
             <a:r>
-              <a:rPr lang="ru-RU" sz="2000" dirty="0"/>
+              <a:rPr lang="ru-RU" sz="2400" dirty="0"/>
               <a:t>хранится в </a:t>
             </a:r>
             <a:r>
-              <a:rPr lang="ru-RU" sz="2000" b="1" dirty="0"/>
+              <a:rPr lang="ru-RU" sz="2400" b="1" dirty="0"/>
               <a:t>ОП</a:t>
             </a:r>
             <a:r>
-              <a:rPr lang="ru-RU" sz="2000" dirty="0"/>
+              <a:rPr lang="ru-RU" sz="2400" dirty="0"/>
               <a:t> (</a:t>
             </a:r>
             <a:r>
-              <a:rPr lang="en-US" sz="2000" dirty="0"/>
+              <a:rPr lang="en-US" sz="2400" dirty="0"/>
               <a:t>PA2=0 </a:t>
             </a:r>
             <a:r>
-              <a:rPr lang="ru-RU" sz="2000" dirty="0"/>
+              <a:rPr lang="ru-RU" sz="2400" dirty="0"/>
               <a:t>- прямая адресация, </a:t>
             </a:r>
             <a:r>
-              <a:rPr lang="en-US" sz="2000" dirty="0"/>
+              <a:rPr lang="en-US" sz="2400" dirty="0"/>
               <a:t>PA2=1</a:t>
             </a:r>
             <a:r>
-              <a:rPr lang="ru-RU" sz="2000" dirty="0"/>
+              <a:rPr lang="ru-RU" sz="2400" dirty="0"/>
               <a:t> - </a:t>
             </a:r>
             <a:r>
-              <a:rPr lang="ru-RU" sz="2000" dirty="0" err="1"/>
+              <a:rPr lang="ru-RU" sz="2400" dirty="0" err="1"/>
               <a:t>постиндексная</a:t>
             </a:r>
             <a:r>
-              <a:rPr lang="ru-RU" sz="2000" dirty="0"/>
+              <a:rPr lang="ru-RU" sz="2400" dirty="0"/>
               <a:t> косвенная вариант 2)</a:t>
             </a:r>
             <a:br>
-              <a:rPr lang="ru-RU" sz="2000" dirty="0"/>
+              <a:rPr lang="ru-RU" sz="2400" dirty="0"/>
             </a:br>
             <a:r>
-              <a:rPr lang="ru-RU" sz="2000" dirty="0"/>
+              <a:rPr lang="ru-RU" sz="2400" dirty="0"/>
               <a:t>Результат операции </a:t>
             </a:r>
             <a:r>
-              <a:rPr lang="ru-RU" sz="2000" b="1" dirty="0"/>
+              <a:rPr lang="ru-RU" sz="2400" b="1" dirty="0"/>
               <a:t>УМНОЖЕНИЕ</a:t>
             </a:r>
             <a:r>
-              <a:rPr lang="ru-RU" sz="2000" dirty="0"/>
+              <a:rPr lang="ru-RU" sz="2400" dirty="0"/>
               <a:t> записывается по адресу </a:t>
             </a:r>
             <a:r>
-              <a:rPr lang="ru-RU" sz="2000" b="1" dirty="0"/>
+              <a:rPr lang="ru-RU" sz="2400" b="1" dirty="0"/>
               <a:t>второго операнда</a:t>
             </a:r>
             <a:r>
-              <a:rPr lang="ru-RU" sz="2000" dirty="0"/>
-              <a:t>. Результат операции </a:t>
-            </a:r>
-            <a:r>
-              <a:rPr lang="ru-RU" sz="2000" b="1" dirty="0"/>
-              <a:t>ПЕРЕСЫЛКА ОТРИЦАТЕЛЬНАЯ </a:t>
-            </a:r>
-            <a:r>
-              <a:rPr lang="ru-RU" sz="2000" dirty="0"/>
-              <a:t>записывается по адресу </a:t>
-            </a:r>
-            <a:r>
-              <a:rPr lang="ru-RU" sz="2000" b="1" dirty="0"/>
+              <a:rPr lang="ru-RU" sz="2400" dirty="0"/>
+              <a:t>. </a:t>
+            </a:r>
+            <a:br>
+              <a:rPr lang="ru-RU" sz="2400" dirty="0"/>
+            </a:br>
+            <a:r>
+              <a:rPr lang="ru-RU" sz="2400" dirty="0"/>
+              <a:t>Результат </a:t>
+            </a:r>
+            <a:r>
+              <a:rPr lang="ru-RU" sz="2400" b="1" dirty="0"/>
+              <a:t>ПЕРЕСЫЛКИ ОТРИЦАТЕЛЬНОЙ </a:t>
+            </a:r>
+            <a:r>
+              <a:rPr lang="ru-RU" sz="2400" dirty="0"/>
+              <a:t>по адресу </a:t>
+            </a:r>
+            <a:r>
+              <a:rPr lang="ru-RU" sz="2400" b="1" dirty="0"/>
               <a:t>первого операнда</a:t>
-            </a:r>
-          </a:p>
-          <a:p>
-            <a:pPr marL="0" indent="0" algn="ctr">
-              <a:buNone/>
-            </a:pPr>
-            <a:r>
-              <a:rPr lang="ru-RU" sz="2000" dirty="0"/>
-              <a:t>Операции:</a:t>
             </a:r>
           </a:p>
           <a:p>
@@ -4059,72 +4058,101 @@
               <a:buNone/>
             </a:pPr>
             <a:r>
-              <a:rPr lang="ru-RU" sz="2000" b="1" dirty="0"/>
+              <a:rPr lang="ru-RU" dirty="0"/>
+              <a:t>	Операции:</a:t>
+            </a:r>
+            <a:br>
+              <a:rPr lang="ru-RU" sz="2400" dirty="0"/>
+            </a:br>
+            <a:r>
+              <a:rPr lang="ru-RU" sz="2400" b="1" dirty="0"/>
               <a:t>УМНОЖЕНИЕ</a:t>
             </a:r>
             <a:r>
-              <a:rPr lang="ru-RU" sz="2000" dirty="0"/>
-              <a:t> – алгоритм умножения чисел в дополнительном коде с младших разрядов множителя и сдвигом частичных произведений вправо путем последовательного преобразования множителя</a:t>
+              <a:rPr lang="ru-RU" sz="2400" dirty="0"/>
+              <a:t> – алгоритм умножения чисел в дополнительном коде с младших разрядов множителя</a:t>
             </a:r>
             <a:br>
-              <a:rPr lang="ru-RU" sz="2000" dirty="0"/>
+              <a:rPr lang="ru-RU" sz="2400" dirty="0"/>
             </a:br>
             <a:r>
-              <a:rPr lang="ru-RU" sz="2000" b="1" dirty="0"/>
+              <a:rPr lang="ru-RU" sz="2400" b="1" dirty="0"/>
               <a:t>ПЕРЕСЫЛКА ОТРИЦАТЕЛЬНАЯ </a:t>
             </a:r>
             <a:r>
-              <a:rPr lang="ru-RU" sz="2000" dirty="0"/>
-              <a:t>– дополнительный код абсолютного значения второго операнда помещается </a:t>
+              <a:rPr lang="ru-RU" sz="2400" dirty="0"/>
+              <a:t>– дополнительный код абсолютного значения </a:t>
+            </a:r>
+            <a:r>
+              <a:rPr lang="ru-RU" sz="2400" b="1" dirty="0"/>
+              <a:t>второго операнда </a:t>
+            </a:r>
+            <a:r>
+              <a:rPr lang="ru-RU" sz="2400" dirty="0"/>
+              <a:t>пишется по </a:t>
+            </a:r>
+            <a:r>
+              <a:rPr lang="ru-RU" sz="2400" b="1" dirty="0"/>
+              <a:t>адресу первого операнда</a:t>
+            </a:r>
+            <a:r>
+              <a:rPr lang="ru-RU" sz="2400" dirty="0"/>
+              <a:t>. То есть, модуль второго операнда берем со знаком минус </a:t>
             </a:r>
             <a:br>
-              <a:rPr lang="ru-RU" sz="2000" dirty="0"/>
+              <a:rPr lang="ru-RU" sz="2400" dirty="0"/>
             </a:br>
             <a:r>
-              <a:rPr lang="ru-RU" sz="2000" dirty="0"/>
-              <a:t>по адресу первого операнда. Нуль, имеющий положительный знак, остается без изменения. Результат отличается от второго операнда только для положительных чисел; отрицательные числа остаются </a:t>
+              <a:rPr lang="ru-RU" sz="2400" dirty="0"/>
+              <a:t>(исключение 0). Устанавливается признак результата: 0 – (результат = 0), 1 – (результат </a:t>
+            </a:r>
+            <a:r>
+              <a:rPr lang="en-US" sz="2400" dirty="0"/>
+              <a:t>&lt;</a:t>
+            </a:r>
+            <a:r>
+              <a:rPr lang="ru-RU" sz="2400" dirty="0"/>
+              <a:t> 0)</a:t>
             </a:r>
             <a:br>
-              <a:rPr lang="ru-RU" sz="2000" dirty="0"/>
+              <a:rPr lang="ru-RU" sz="2400" dirty="0"/>
             </a:br>
-            <a:r>
-              <a:rPr lang="ru-RU" sz="2000" dirty="0"/>
-              <a:t>без изменения. Устанавливается признак результата: 0 – (результат = 0), 1 – (результат </a:t>
-            </a:r>
-            <a:r>
-              <a:rPr lang="en-US" sz="2000" dirty="0"/>
-              <a:t>&lt;</a:t>
-            </a:r>
-            <a:r>
-              <a:rPr lang="ru-RU" sz="2000" dirty="0"/>
-              <a:t> 0)</a:t>
-            </a:r>
-          </a:p>
-          <a:p>
-            <a:pPr marL="0" indent="0">
-              <a:buNone/>
-            </a:pPr>
             <a:br>
-              <a:rPr lang="ru-RU" sz="2000" dirty="0"/>
+              <a:rPr lang="ru-RU" sz="2400" dirty="0"/>
             </a:br>
             <a:r>
-              <a:rPr lang="ru-RU" sz="2000" b="1" dirty="0"/>
+              <a:rPr lang="ru-RU" sz="2400" b="1" dirty="0"/>
               <a:t>ПЕРЕХОД, ЕСЛИ 1 </a:t>
             </a:r>
             <a:r>
-              <a:rPr lang="ru-RU" sz="2000" dirty="0"/>
-              <a:t>– продвинутый адрес в счетчике команд замещается адресом перехода, если значение признака результата равно 1. Для задания адреса перехода используется относительная адресация (в команде указывается смещение со знаком)</a:t>
+              <a:rPr lang="ru-RU" sz="2400" dirty="0"/>
+              <a:t>– продвинутый адрес в счетчике команд замещается адресом перехода, если значение </a:t>
+            </a:r>
+            <a:r>
+              <a:rPr lang="en-US" sz="2400" dirty="0"/>
+              <a:t>PR = </a:t>
+            </a:r>
+            <a:r>
+              <a:rPr lang="ru-RU" sz="2400" dirty="0"/>
+              <a:t>1. Используется относительная адресация (в команде – смещение со знаком)</a:t>
             </a:r>
             <a:br>
-              <a:rPr lang="ru-RU" sz="2000" dirty="0"/>
+              <a:rPr lang="ru-RU" sz="2400" dirty="0"/>
             </a:br>
             <a:r>
-              <a:rPr lang="ru-RU" sz="2000" b="1" dirty="0"/>
+              <a:rPr lang="ru-RU" sz="2400" b="1" dirty="0"/>
               <a:t>БЕЗУСЛОВНЫЙ ПЕРЕХОД </a:t>
             </a:r>
             <a:r>
-              <a:rPr lang="ru-RU" sz="2000" dirty="0"/>
-              <a:t>– продвинутый адрес в счетчике команд замещается адресом перехода. Для задания адреса перехода используется относительная адресация (в команде указывается смещение со знаком)</a:t>
+              <a:rPr lang="ru-RU" sz="2400" dirty="0"/>
+              <a:t>– продвинутый адрес в счетчике команд замещается адресом перехода. </a:t>
+            </a:r>
+            <a:br>
+              <a:rPr lang="en-US" sz="2400" dirty="0"/>
+            </a:br>
+            <a:r>
+              <a:rPr lang="ru-RU" sz="2400" dirty="0"/>
+              <a:t>Используется относительная адресация (в команде указывается смещение со знаком)</a:t>
             </a:r>
           </a:p>
         </p:txBody>
@@ -4209,8 +4237,8 @@
         </p:blipFill>
         <p:spPr>
           <a:xfrm>
-            <a:off x="841324" y="2009490"/>
-            <a:ext cx="5108789" cy="3208349"/>
+            <a:off x="227387" y="1493433"/>
+            <a:ext cx="5725852" cy="3595868"/>
           </a:xfrm>
           <a:prstGeom prst="rect">
             <a:avLst/>
@@ -4239,8 +4267,8 @@
         </p:blipFill>
         <p:spPr>
           <a:xfrm>
-            <a:off x="6238762" y="1493433"/>
-            <a:ext cx="5303173" cy="3871131"/>
+            <a:off x="6207877" y="1193623"/>
+            <a:ext cx="5756736" cy="4202216"/>
           </a:xfrm>
           <a:prstGeom prst="rect">
             <a:avLst/>
@@ -4497,6 +4525,36 @@
           <a:chExt cx="0" cy="0"/>
         </a:xfrm>
       </p:grpSpPr>
+      <p:pic>
+        <p:nvPicPr>
+          <p:cNvPr id="17" name="Рисунок 16">
+            <a:extLst>
+              <a:ext uri="{FF2B5EF4-FFF2-40B4-BE49-F238E27FC236}">
+                <a16:creationId xmlns:a16="http://schemas.microsoft.com/office/drawing/2014/main" id="{63278449-55C2-E849-92B4-BC49858ECCB5}"/>
+              </a:ext>
+            </a:extLst>
+          </p:cNvPr>
+          <p:cNvPicPr>
+            <a:picLocks noChangeAspect="1"/>
+          </p:cNvPicPr>
+          <p:nvPr/>
+        </p:nvPicPr>
+        <p:blipFill>
+          <a:blip r:embed="rId2"/>
+          <a:stretch>
+            <a:fillRect/>
+          </a:stretch>
+        </p:blipFill>
+        <p:spPr>
+          <a:xfrm>
+            <a:off x="704636" y="2229073"/>
+            <a:ext cx="4781764" cy="3267305"/>
+          </a:xfrm>
+          <a:prstGeom prst="rect">
+            <a:avLst/>
+          </a:prstGeom>
+        </p:spPr>
+      </p:pic>
       <p:sp>
         <p:nvSpPr>
           <p:cNvPr id="2" name="Заголовок 1">
@@ -4650,7 +4708,7 @@
           <p:nvPr/>
         </p:nvPicPr>
         <p:blipFill>
-          <a:blip r:embed="rId2"/>
+          <a:blip r:embed="rId3"/>
           <a:stretch>
             <a:fillRect/>
           </a:stretch>
@@ -4680,7 +4738,7 @@
           <p:nvPr/>
         </p:nvPicPr>
         <p:blipFill>
-          <a:blip r:embed="rId3"/>
+          <a:blip r:embed="rId4"/>
           <a:stretch>
             <a:fillRect/>
           </a:stretch>
@@ -4710,7 +4768,7 @@
           <p:nvPr/>
         </p:nvPicPr>
         <p:blipFill>
-          <a:blip r:embed="rId4"/>
+          <a:blip r:embed="rId5"/>
           <a:stretch>
             <a:fillRect/>
           </a:stretch>
@@ -4795,36 +4853,6 @@
           </a:p>
         </p:txBody>
       </p:sp>
-      <p:pic>
-        <p:nvPicPr>
-          <p:cNvPr id="17" name="Рисунок 16">
-            <a:extLst>
-              <a:ext uri="{FF2B5EF4-FFF2-40B4-BE49-F238E27FC236}">
-                <a16:creationId xmlns:a16="http://schemas.microsoft.com/office/drawing/2014/main" id="{63278449-55C2-E849-92B4-BC49858ECCB5}"/>
-              </a:ext>
-            </a:extLst>
-          </p:cNvPr>
-          <p:cNvPicPr>
-            <a:picLocks noChangeAspect="1"/>
-          </p:cNvPicPr>
-          <p:nvPr/>
-        </p:nvPicPr>
-        <p:blipFill>
-          <a:blip r:embed="rId5"/>
-          <a:stretch>
-            <a:fillRect/>
-          </a:stretch>
-        </p:blipFill>
-        <p:spPr>
-          <a:xfrm>
-            <a:off x="704636" y="2537278"/>
-            <a:ext cx="4330700" cy="2959100"/>
-          </a:xfrm>
-          <a:prstGeom prst="rect">
-            <a:avLst/>
-          </a:prstGeom>
-        </p:spPr>
-      </p:pic>
       <p:sp>
         <p:nvSpPr>
           <p:cNvPr id="18" name="TextBox 17">
@@ -4890,36 +4918,6 @@
           <a:chExt cx="0" cy="0"/>
         </a:xfrm>
       </p:grpSpPr>
-      <p:pic>
-        <p:nvPicPr>
-          <p:cNvPr id="5" name="Рисунок 4">
-            <a:extLst>
-              <a:ext uri="{FF2B5EF4-FFF2-40B4-BE49-F238E27FC236}">
-                <a16:creationId xmlns:a16="http://schemas.microsoft.com/office/drawing/2014/main" id="{14C883C3-F3E5-DB45-88C8-5E32C5954A74}"/>
-              </a:ext>
-            </a:extLst>
-          </p:cNvPr>
-          <p:cNvPicPr>
-            <a:picLocks noChangeAspect="1"/>
-          </p:cNvPicPr>
-          <p:nvPr/>
-        </p:nvPicPr>
-        <p:blipFill>
-          <a:blip r:embed="rId2"/>
-          <a:stretch>
-            <a:fillRect/>
-          </a:stretch>
-        </p:blipFill>
-        <p:spPr>
-          <a:xfrm>
-            <a:off x="2951657" y="717621"/>
-            <a:ext cx="6288681" cy="5954111"/>
-          </a:xfrm>
-          <a:prstGeom prst="rect">
-            <a:avLst/>
-          </a:prstGeom>
-        </p:spPr>
-      </p:pic>
       <p:sp>
         <p:nvSpPr>
           <p:cNvPr id="3" name="Номер слайда 2">
@@ -5007,6 +5005,36 @@
           </a:p>
         </p:txBody>
       </p:sp>
+      <p:pic>
+        <p:nvPicPr>
+          <p:cNvPr id="8" name="Рисунок 7">
+            <a:extLst>
+              <a:ext uri="{FF2B5EF4-FFF2-40B4-BE49-F238E27FC236}">
+                <a16:creationId xmlns:a16="http://schemas.microsoft.com/office/drawing/2014/main" id="{96EBC8EF-3187-3B46-9133-255958CB0F75}"/>
+              </a:ext>
+            </a:extLst>
+          </p:cNvPr>
+          <p:cNvPicPr>
+            <a:picLocks noChangeAspect="1"/>
+          </p:cNvPicPr>
+          <p:nvPr/>
+        </p:nvPicPr>
+        <p:blipFill>
+          <a:blip r:embed="rId2"/>
+          <a:stretch>
+            <a:fillRect/>
+          </a:stretch>
+        </p:blipFill>
+        <p:spPr>
+          <a:xfrm>
+            <a:off x="277585" y="995972"/>
+            <a:ext cx="11636829" cy="5360378"/>
+          </a:xfrm>
+          <a:prstGeom prst="rect">
+            <a:avLst/>
+          </a:prstGeom>
+        </p:spPr>
+      </p:pic>
     </p:spTree>
     <p:extLst>
       <p:ext uri="{BB962C8B-B14F-4D97-AF65-F5344CB8AC3E}">
@@ -5255,8 +5283,8 @@
         </p:blipFill>
         <p:spPr>
           <a:xfrm>
-            <a:off x="698500" y="1235260"/>
-            <a:ext cx="10795000" cy="4387480"/>
+            <a:off x="108857" y="1053058"/>
+            <a:ext cx="11691581" cy="4751883"/>
           </a:xfrm>
           <a:prstGeom prst="rect">
             <a:avLst/>
@@ -5383,8 +5411,8 @@
         </p:blipFill>
         <p:spPr>
           <a:xfrm>
-            <a:off x="431800" y="1690688"/>
-            <a:ext cx="7408333" cy="4730109"/>
+            <a:off x="854528" y="637997"/>
+            <a:ext cx="10499272" cy="3640314"/>
           </a:xfrm>
           <a:prstGeom prst="rect">
             <a:avLst/>
@@ -5408,13 +5436,13 @@
               <p:nvPr>
                 <p:extLst>
                   <p:ext uri="{D42A27DB-BD31-4B8C-83A1-F6EECF244321}">
-                    <p14:modId xmlns:p14="http://schemas.microsoft.com/office/powerpoint/2010/main" val="135961763"/>
+                    <p14:modId xmlns:p14="http://schemas.microsoft.com/office/powerpoint/2010/main" val="2435298479"/>
                   </p:ext>
                 </p:extLst>
               </p:nvPr>
             </p:nvGraphicFramePr>
             <p:xfrm>
-              <a:off x="8102600" y="2709861"/>
+              <a:off x="3383643" y="4380734"/>
               <a:ext cx="3659248" cy="2030095"/>
             </p:xfrm>
             <a:graphic>
@@ -7537,13 +7565,13 @@
               <p:nvPr>
                 <p:extLst>
                   <p:ext uri="{D42A27DB-BD31-4B8C-83A1-F6EECF244321}">
-                    <p14:modId xmlns:p14="http://schemas.microsoft.com/office/powerpoint/2010/main" val="135961763"/>
+                    <p14:modId xmlns:p14="http://schemas.microsoft.com/office/powerpoint/2010/main" val="2435298479"/>
                   </p:ext>
                 </p:extLst>
               </p:nvPr>
             </p:nvGraphicFramePr>
             <p:xfrm>
-              <a:off x="8102600" y="2709861"/>
+              <a:off x="3383643" y="4380734"/>
               <a:ext cx="3659248" cy="2030095"/>
             </p:xfrm>
             <a:graphic>
@@ -7781,7 +7809,7 @@
                         <a:blipFill>
                           <a:blip r:embed="rId3"/>
                           <a:stretch>
-                            <a:fillRect l="-781" t="-112500" r="-125000" b="-843750"/>
+                            <a:fillRect t="-112500" r="-125781" b="-843750"/>
                           </a:stretch>
                         </a:blipFill>
                       </a:tcPr>
@@ -8066,7 +8094,7 @@
                         <a:blipFill>
                           <a:blip r:embed="rId3"/>
                           <a:stretch>
-                            <a:fillRect l="-258025" t="-212500" r="1235" b="-743750"/>
+                            <a:fillRect l="-256790" t="-212500" b="-743750"/>
                           </a:stretch>
                         </a:blipFill>
                       </a:tcPr>
@@ -8090,7 +8118,7 @@
                         <a:blipFill>
                           <a:blip r:embed="rId3"/>
                           <a:stretch>
-                            <a:fillRect l="-781" t="-312500" r="-125000" b="-643750"/>
+                            <a:fillRect t="-312500" r="-125781" b="-643750"/>
                           </a:stretch>
                         </a:blipFill>
                       </a:tcPr>
@@ -8221,7 +8249,7 @@
                         <a:blipFill>
                           <a:blip r:embed="rId3"/>
                           <a:stretch>
-                            <a:fillRect l="-258025" t="-312500" r="1235" b="-643750"/>
+                            <a:fillRect l="-256790" t="-312500" b="-643750"/>
                           </a:stretch>
                         </a:blipFill>
                       </a:tcPr>
@@ -8548,7 +8576,7 @@
                         <a:blipFill>
                           <a:blip r:embed="rId3"/>
                           <a:stretch>
-                            <a:fillRect l="-258025" t="-482353" r="1235" b="-411765"/>
+                            <a:fillRect l="-256790" t="-482353" b="-411765"/>
                           </a:stretch>
                         </a:blipFill>
                       </a:tcPr>
@@ -8572,7 +8600,7 @@
                         <a:blipFill>
                           <a:blip r:embed="rId3"/>
                           <a:stretch>
-                            <a:fillRect l="-781" t="-618750" r="-125000" b="-337500"/>
+                            <a:fillRect t="-618750" r="-125781" b="-337500"/>
                           </a:stretch>
                         </a:blipFill>
                       </a:tcPr>
@@ -8857,7 +8885,7 @@
                         <a:blipFill>
                           <a:blip r:embed="rId3"/>
                           <a:stretch>
-                            <a:fillRect l="-258025" t="-718750" r="1235" b="-237500"/>
+                            <a:fillRect l="-256790" t="-718750" b="-237500"/>
                           </a:stretch>
                         </a:blipFill>
                       </a:tcPr>
@@ -8881,7 +8909,7 @@
                         <a:blipFill>
                           <a:blip r:embed="rId3"/>
                           <a:stretch>
-                            <a:fillRect l="-781" t="-818750" r="-125000" b="-137500"/>
+                            <a:fillRect t="-818750" r="-125781" b="-137500"/>
                           </a:stretch>
                         </a:blipFill>
                       </a:tcPr>
@@ -9012,7 +9040,7 @@
                         <a:blipFill>
                           <a:blip r:embed="rId3"/>
                           <a:stretch>
-                            <a:fillRect l="-258025" t="-818750" r="1235" b="-137500"/>
+                            <a:fillRect l="-256790" t="-818750" b="-137500"/>
                           </a:stretch>
                         </a:blipFill>
                       </a:tcPr>
@@ -9208,145 +9236,132 @@
       </mc:AlternateContent>
       <p:sp>
         <p:nvSpPr>
-          <p:cNvPr id="7" name="Открывающая квадратная скобка 6">
-            <a:extLst>
-              <a:ext uri="{FF2B5EF4-FFF2-40B4-BE49-F238E27FC236}">
-                <a16:creationId xmlns:a16="http://schemas.microsoft.com/office/drawing/2014/main" id="{53D1AA7C-3DF5-DD40-A8C8-F98620F22642}"/>
-              </a:ext>
-            </a:extLst>
-          </p:cNvPr>
-          <p:cNvSpPr/>
+          <p:cNvPr id="4" name="TextBox 3">
+            <a:extLst>
+              <a:ext uri="{FF2B5EF4-FFF2-40B4-BE49-F238E27FC236}">
+                <a16:creationId xmlns:a16="http://schemas.microsoft.com/office/drawing/2014/main" id="{EA0D118E-332F-F448-A06E-D9AB6AD689E6}"/>
+              </a:ext>
+            </a:extLst>
+          </p:cNvPr>
+          <p:cNvSpPr txBox="1"/>
           <p:nvPr/>
         </p:nvSpPr>
         <p:spPr>
           <a:xfrm>
-            <a:off x="9903901" y="2813049"/>
-            <a:ext cx="44450" cy="401637"/>
+            <a:off x="854528" y="4380734"/>
+            <a:ext cx="1064715" cy="646331"/>
           </a:xfrm>
-          <a:prstGeom prst="leftBracket">
+          <a:prstGeom prst="rect">
+            <a:avLst/>
+          </a:prstGeom>
+          <a:noFill/>
+        </p:spPr>
+        <p:txBody>
+          <a:bodyPr wrap="none" rtlCol="0">
+            <a:spAutoFit/>
+          </a:bodyPr>
+          <a:lstStyle/>
+          <a:p>
+            <a:r>
+              <a:rPr lang="en-US" dirty="0"/>
+              <a:t>A = 1.010</a:t>
+            </a:r>
+          </a:p>
+          <a:p>
+            <a:r>
+              <a:rPr lang="en-US" dirty="0"/>
+              <a:t>B = 0.110</a:t>
+            </a:r>
+            <a:endParaRPr lang="ru-RU" dirty="0"/>
+          </a:p>
+        </p:txBody>
+      </p:sp>
+      <p:pic>
+        <p:nvPicPr>
+          <p:cNvPr id="39" name="Рисунок 38">
+            <a:extLst>
+              <a:ext uri="{FF2B5EF4-FFF2-40B4-BE49-F238E27FC236}">
+                <a16:creationId xmlns:a16="http://schemas.microsoft.com/office/drawing/2014/main" id="{5AA84D4B-1AF6-5A48-AAC9-6528F26E78C8}"/>
+              </a:ext>
+            </a:extLst>
+          </p:cNvPr>
+          <p:cNvPicPr>
+            <a:picLocks noChangeAspect="1"/>
+          </p:cNvPicPr>
+          <p:nvPr/>
+        </p:nvPicPr>
+        <p:blipFill>
+          <a:blip r:embed="rId4"/>
+          <a:stretch>
+            <a:fillRect/>
+          </a:stretch>
+        </p:blipFill>
+        <p:spPr>
+          <a:xfrm>
+            <a:off x="7042891" y="4120512"/>
+            <a:ext cx="3839598" cy="2235837"/>
+          </a:xfrm>
+          <a:prstGeom prst="rect">
             <a:avLst/>
           </a:prstGeom>
         </p:spPr>
-        <p:style>
-          <a:lnRef idx="1">
-            <a:schemeClr val="accent1"/>
-          </a:lnRef>
-          <a:fillRef idx="0">
-            <a:schemeClr val="accent1"/>
-          </a:fillRef>
-          <a:effectRef idx="0">
-            <a:schemeClr val="accent1"/>
-          </a:effectRef>
-          <a:fontRef idx="minor">
-            <a:schemeClr val="tx1"/>
-          </a:fontRef>
-        </p:style>
-        <p:txBody>
-          <a:bodyPr rot="0" spcFirstLastPara="0" vert="horz" wrap="square" lIns="91440" tIns="45720" rIns="91440" bIns="45720" numCol="1" spcCol="0" rtlCol="0" fromWordArt="0" anchor="ctr" anchorCtr="0" forceAA="0" compatLnSpc="1">
-            <a:prstTxWarp prst="textNoShape">
-              <a:avLst/>
-            </a:prstTxWarp>
-            <a:noAutofit/>
-          </a:bodyPr>
-          <a:lstStyle/>
-          <a:p>
-            <a:endParaRPr lang="ru-RU"/>
-          </a:p>
-        </p:txBody>
-      </p:sp>
+      </p:pic>
       <p:sp>
         <p:nvSpPr>
-          <p:cNvPr id="8" name="Открывающая квадратная скобка 7">
-            <a:extLst>
-              <a:ext uri="{FF2B5EF4-FFF2-40B4-BE49-F238E27FC236}">
-                <a16:creationId xmlns:a16="http://schemas.microsoft.com/office/drawing/2014/main" id="{64C9AC2C-ECE1-F14B-9819-616D6A82E838}"/>
-              </a:ext>
-            </a:extLst>
-          </p:cNvPr>
-          <p:cNvSpPr/>
+          <p:cNvPr id="7" name="TextBox 6">
+            <a:extLst>
+              <a:ext uri="{FF2B5EF4-FFF2-40B4-BE49-F238E27FC236}">
+                <a16:creationId xmlns:a16="http://schemas.microsoft.com/office/drawing/2014/main" id="{701893B5-EA7A-FB4A-9E3D-B12C46974E27}"/>
+              </a:ext>
+            </a:extLst>
+          </p:cNvPr>
+          <p:cNvSpPr txBox="1"/>
           <p:nvPr/>
         </p:nvSpPr>
         <p:spPr>
           <a:xfrm>
-            <a:off x="9911838" y="3651249"/>
-            <a:ext cx="60325" cy="212725"/>
+            <a:off x="747768" y="5395781"/>
+            <a:ext cx="2544414" cy="646331"/>
           </a:xfrm>
-          <a:prstGeom prst="leftBracket">
+          <a:prstGeom prst="rect">
             <a:avLst/>
           </a:prstGeom>
+          <a:noFill/>
         </p:spPr>
-        <p:style>
-          <a:lnRef idx="1">
-            <a:schemeClr val="accent1"/>
-          </a:lnRef>
-          <a:fillRef idx="0">
-            <a:schemeClr val="accent1"/>
-          </a:fillRef>
-          <a:effectRef idx="0">
-            <a:schemeClr val="accent1"/>
-          </a:effectRef>
-          <a:fontRef idx="minor">
-            <a:schemeClr val="tx1"/>
-          </a:fontRef>
-        </p:style>
         <p:txBody>
-          <a:bodyPr rot="0" spcFirstLastPara="0" vert="horz" wrap="square" lIns="91440" tIns="45720" rIns="91440" bIns="45720" numCol="1" spcCol="0" rtlCol="0" fromWordArt="0" anchor="ctr" anchorCtr="0" forceAA="0" compatLnSpc="1">
-            <a:prstTxWarp prst="textNoShape">
-              <a:avLst/>
-            </a:prstTxWarp>
-            <a:noAutofit/>
+          <a:bodyPr wrap="none" rtlCol="0">
+            <a:spAutoFit/>
           </a:bodyPr>
           <a:lstStyle/>
           <a:p>
-            <a:endParaRPr lang="ru-RU"/>
-          </a:p>
-        </p:txBody>
-      </p:sp>
-      <p:sp>
-        <p:nvSpPr>
-          <p:cNvPr id="9" name="Открывающая квадратная скобка 8">
-            <a:extLst>
-              <a:ext uri="{FF2B5EF4-FFF2-40B4-BE49-F238E27FC236}">
-                <a16:creationId xmlns:a16="http://schemas.microsoft.com/office/drawing/2014/main" id="{5EB2AE6F-8A59-1A45-A6EA-E5777C36BFA2}"/>
-              </a:ext>
-            </a:extLst>
-          </p:cNvPr>
-          <p:cNvSpPr/>
-          <p:nvPr/>
-        </p:nvSpPr>
-        <p:spPr>
-          <a:xfrm>
-            <a:off x="9919776" y="3919536"/>
-            <a:ext cx="49212" cy="358775"/>
-          </a:xfrm>
-          <a:prstGeom prst="leftBracket">
-            <a:avLst/>
-          </a:prstGeom>
-        </p:spPr>
-        <p:style>
-          <a:lnRef idx="1">
-            <a:schemeClr val="accent1"/>
-          </a:lnRef>
-          <a:fillRef idx="0">
-            <a:schemeClr val="accent1"/>
-          </a:fillRef>
-          <a:effectRef idx="0">
-            <a:schemeClr val="accent1"/>
-          </a:effectRef>
-          <a:fontRef idx="minor">
-            <a:schemeClr val="tx1"/>
-          </a:fontRef>
-        </p:style>
-        <p:txBody>
-          <a:bodyPr rot="0" spcFirstLastPara="0" vert="horz" wrap="square" lIns="91440" tIns="45720" rIns="91440" bIns="45720" numCol="1" spcCol="0" rtlCol="0" fromWordArt="0" anchor="ctr" anchorCtr="0" forceAA="0" compatLnSpc="1">
-            <a:prstTxWarp prst="textNoShape">
-              <a:avLst/>
-            </a:prstTxWarp>
-            <a:noAutofit/>
-          </a:bodyPr>
-          <a:lstStyle/>
-          <a:p>
-            <a:endParaRPr lang="ru-RU"/>
+            <a:r>
+              <a:rPr lang="en-US" dirty="0"/>
+              <a:t>Min – 5 </a:t>
+            </a:r>
+            <a:r>
+              <a:rPr lang="ru-RU" dirty="0"/>
+              <a:t>тактов при </a:t>
+            </a:r>
+            <a:r>
+              <a:rPr lang="en-US" dirty="0"/>
+              <a:t>B = 0</a:t>
+            </a:r>
+            <a:br>
+              <a:rPr lang="en-US" dirty="0"/>
+            </a:br>
+            <a:r>
+              <a:rPr lang="en-US" dirty="0"/>
+              <a:t>Max – 8 </a:t>
+            </a:r>
+            <a:r>
+              <a:rPr lang="ru-RU" dirty="0"/>
+              <a:t>тактов при </a:t>
+            </a:r>
+            <a:r>
+              <a:rPr lang="en-US" dirty="0"/>
+              <a:t>B = 5</a:t>
+            </a:r>
+            <a:endParaRPr lang="ru-RU" dirty="0"/>
           </a:p>
         </p:txBody>
       </p:sp>
@@ -9470,8 +9485,8 @@
         </p:blipFill>
         <p:spPr>
           <a:xfrm>
-            <a:off x="461725" y="1066800"/>
-            <a:ext cx="3428103" cy="5003800"/>
+            <a:off x="398063" y="633052"/>
+            <a:ext cx="3725264" cy="5437548"/>
           </a:xfrm>
           <a:prstGeom prst="rect">
             <a:avLst/>
@@ -9500,8 +9515,8 @@
         </p:blipFill>
         <p:spPr>
           <a:xfrm>
-            <a:off x="4378337" y="744009"/>
-            <a:ext cx="3614196" cy="5707591"/>
+            <a:off x="4525955" y="633052"/>
+            <a:ext cx="3133175" cy="5881375"/>
           </a:xfrm>
           <a:prstGeom prst="rect">
             <a:avLst/>
@@ -9530,8 +9545,8 @@
         </p:blipFill>
         <p:spPr>
           <a:xfrm>
-            <a:off x="8481042" y="989573"/>
-            <a:ext cx="3275386" cy="2827785"/>
+            <a:off x="8359633" y="185321"/>
+            <a:ext cx="3396795" cy="3381929"/>
           </a:xfrm>
           <a:prstGeom prst="rect">
             <a:avLst/>
@@ -9560,8 +9575,8 @@
         </p:blipFill>
         <p:spPr>
           <a:xfrm>
-            <a:off x="8481552" y="4483100"/>
-            <a:ext cx="3274876" cy="1587500"/>
+            <a:off x="8359634" y="4168050"/>
+            <a:ext cx="3396794" cy="1587500"/>
           </a:xfrm>
           <a:prstGeom prst="rect">
             <a:avLst/>
@@ -9582,7 +9597,7 @@
         </p:nvSpPr>
         <p:spPr>
           <a:xfrm>
-            <a:off x="8548435" y="3891854"/>
+            <a:off x="8565266" y="3641746"/>
             <a:ext cx="3140090" cy="369332"/>
           </a:xfrm>
           <a:prstGeom prst="rect">
@@ -9617,7 +9632,7 @@
         </p:nvSpPr>
         <p:spPr>
           <a:xfrm>
-            <a:off x="8565266" y="6145096"/>
+            <a:off x="8565266" y="5830046"/>
             <a:ext cx="3106428" cy="369332"/>
           </a:xfrm>
           <a:prstGeom prst="rect">
@@ -9687,7 +9702,7 @@
         </p:nvSpPr>
         <p:spPr>
           <a:xfrm>
-            <a:off x="959289" y="6115876"/>
+            <a:off x="1226418" y="6082401"/>
             <a:ext cx="2432974" cy="646331"/>
           </a:xfrm>
           <a:prstGeom prst="rect">

--- a/docs/Готовое/процессор.pptx
+++ b/docs/Готовое/процессор.pptx
@@ -5,7 +5,7 @@
     <p:sldMasterId id="2147484005" r:id="rId1"/>
   </p:sldMasterIdLst>
   <p:notesMasterIdLst>
-    <p:notesMasterId r:id="rId11"/>
+    <p:notesMasterId r:id="rId12"/>
   </p:notesMasterIdLst>
   <p:sldIdLst>
     <p:sldId id="256" r:id="rId2"/>
@@ -17,6 +17,7 @@
     <p:sldId id="262" r:id="rId8"/>
     <p:sldId id="263" r:id="rId9"/>
     <p:sldId id="264" r:id="rId10"/>
+    <p:sldId id="265" r:id="rId11"/>
   </p:sldIdLst>
   <p:sldSz cx="12192000" cy="6858000"/>
   <p:notesSz cx="6858000" cy="9144000"/>
@@ -205,7 +206,7 @@
           <a:p>
             <a:fld id="{B373F890-5DCF-8C40-80C0-26B9CFF548BC}" type="datetimeFigureOut">
               <a:rPr lang="ru-RU" smtClean="0"/>
-              <a:t>17.05.2020</a:t>
+              <a:t>19.05.2020</a:t>
             </a:fld>
             <a:endParaRPr lang="ru-RU"/>
           </a:p>
@@ -543,7 +544,7 @@
                 <a:ea typeface="+mn-ea"/>
                 <a:cs typeface="+mn-cs"/>
               </a:rPr>
-              <a:t>Добрый день! Я, студент группы Б17-503, Яковенко Иван представляю вам курсовой проект на тему "Проектирование процессора ЭВМ"</a:t>
+              <a:t>Добрый день! Я, студент группы Б17-503, Яковенко Иван, представляю вам курсовой проект на тему "Проектирование процессора ЭВМ"</a:t>
             </a:r>
           </a:p>
           <a:p>
@@ -578,6 +579,118 @@
     <p:extLst>
       <p:ext uri="{BB962C8B-B14F-4D97-AF65-F5344CB8AC3E}">
         <p14:creationId xmlns:p14="http://schemas.microsoft.com/office/powerpoint/2010/main" val="3596261843"/>
+      </p:ext>
+    </p:extLst>
+  </p:cSld>
+  <p:clrMapOvr>
+    <a:masterClrMapping/>
+  </p:clrMapOvr>
+</p:notes>
+</file>
+
+<file path=ppt/notesSlides/notesSlide10.xml><?xml version="1.0" encoding="utf-8"?>
+<p:notes xmlns:a="http://schemas.openxmlformats.org/drawingml/2006/main" xmlns:r="http://schemas.openxmlformats.org/officeDocument/2006/relationships" xmlns:p="http://schemas.openxmlformats.org/presentationml/2006/main">
+  <p:cSld>
+    <p:spTree>
+      <p:nvGrpSpPr>
+        <p:cNvPr id="1" name=""/>
+        <p:cNvGrpSpPr/>
+        <p:nvPr/>
+      </p:nvGrpSpPr>
+      <p:grpSpPr>
+        <a:xfrm>
+          <a:off x="0" y="0"/>
+          <a:ext cx="0" cy="0"/>
+          <a:chOff x="0" y="0"/>
+          <a:chExt cx="0" cy="0"/>
+        </a:xfrm>
+      </p:grpSpPr>
+      <p:sp>
+        <p:nvSpPr>
+          <p:cNvPr id="2" name="Образ слайда 1"/>
+          <p:cNvSpPr>
+            <a:spLocks noGrp="1" noRot="1" noChangeAspect="1"/>
+          </p:cNvSpPr>
+          <p:nvPr>
+            <p:ph type="sldImg"/>
+          </p:nvPr>
+        </p:nvSpPr>
+        <p:spPr/>
+      </p:sp>
+      <p:sp>
+        <p:nvSpPr>
+          <p:cNvPr id="3" name="Заметки 2"/>
+          <p:cNvSpPr>
+            <a:spLocks noGrp="1"/>
+          </p:cNvSpPr>
+          <p:nvPr>
+            <p:ph type="body" idx="1"/>
+          </p:nvPr>
+        </p:nvSpPr>
+        <p:spPr/>
+        <p:txBody>
+          <a:bodyPr/>
+          <a:lstStyle/>
+          <a:p>
+            <a:pPr marL="0" marR="0" lvl="0" indent="0" algn="l" defTabSz="914400" rtl="0" eaLnBrk="1" fontAlgn="auto" latinLnBrk="0" hangingPunct="1">
+              <a:lnSpc>
+                <a:spcPct val="100000"/>
+              </a:lnSpc>
+              <a:spcBef>
+                <a:spcPts val="0"/>
+              </a:spcBef>
+              <a:spcAft>
+                <a:spcPts val="0"/>
+              </a:spcAft>
+              <a:buClrTx/>
+              <a:buSzTx/>
+              <a:buFontTx/>
+              <a:buNone/>
+              <a:tabLst/>
+              <a:defRPr/>
+            </a:pPr>
+            <a:r>
+              <a:rPr lang="ru-RU" sz="1200" b="0" kern="1200" dirty="0">
+                <a:solidFill>
+                  <a:schemeClr val="tx1"/>
+                </a:solidFill>
+                <a:effectLst/>
+                <a:latin typeface="+mn-lt"/>
+                <a:ea typeface="+mn-ea"/>
+                <a:cs typeface="+mn-cs"/>
+              </a:rPr>
+              <a:t>На данном слайде показано функциональное моделирование процессора. Выполняется операция пересылки и нескольких переходов. Для этого фрагмента АЛУ работает всего 3 такта, тогда как все остальное время активны БУК и БМК. После подсчета тактов выяснено, что работа АЛУ занимает примерно 40-50% времени выполнения линейных команд. Остальные 50-60% и время выполнения операций перехода затрачивается на ЦУУ.</a:t>
+            </a:r>
+          </a:p>
+        </p:txBody>
+      </p:sp>
+      <p:sp>
+        <p:nvSpPr>
+          <p:cNvPr id="4" name="Номер слайда 3"/>
+          <p:cNvSpPr>
+            <a:spLocks noGrp="1"/>
+          </p:cNvSpPr>
+          <p:nvPr>
+            <p:ph type="sldNum" sz="quarter" idx="5"/>
+          </p:nvPr>
+        </p:nvSpPr>
+        <p:spPr/>
+        <p:txBody>
+          <a:bodyPr/>
+          <a:lstStyle/>
+          <a:p>
+            <a:fld id="{62AB3E3D-A110-C447-9AF2-379162E860E9}" type="slidenum">
+              <a:rPr lang="ru-RU" smtClean="0"/>
+              <a:t>10</a:t>
+            </a:fld>
+            <a:endParaRPr lang="ru-RU"/>
+          </a:p>
+        </p:txBody>
+      </p:sp>
+    </p:spTree>
+    <p:extLst>
+      <p:ext uri="{BB962C8B-B14F-4D97-AF65-F5344CB8AC3E}">
+        <p14:creationId xmlns:p14="http://schemas.microsoft.com/office/powerpoint/2010/main" val="3893147787"/>
       </p:ext>
     </p:extLst>
   </p:cSld>
@@ -1153,23 +1266,6 @@
           <a:bodyPr/>
           <a:lstStyle/>
           <a:p>
-            <a:pPr marL="0" marR="0" lvl="0" indent="0" algn="l" defTabSz="914400" rtl="0" eaLnBrk="1" fontAlgn="auto" latinLnBrk="0" hangingPunct="1">
-              <a:lnSpc>
-                <a:spcPct val="100000"/>
-              </a:lnSpc>
-              <a:spcBef>
-                <a:spcPts val="0"/>
-              </a:spcBef>
-              <a:spcAft>
-                <a:spcPts val="0"/>
-              </a:spcAft>
-              <a:buClrTx/>
-              <a:buSzTx/>
-              <a:buFontTx/>
-              <a:buNone/>
-              <a:tabLst/>
-              <a:defRPr/>
-            </a:pPr>
             <a:r>
               <a:rPr lang="ru-RU" sz="1200" b="0" kern="1200" dirty="0">
                 <a:solidFill>
@@ -1180,7 +1276,55 @@
                 <a:ea typeface="+mn-ea"/>
                 <a:cs typeface="+mn-cs"/>
               </a:rPr>
-              <a:t>Далее перейдем непосредственно к алгоритму выполнения команд. Тут я бы хотел остановиться на способе реализации перехода по трем ветвям. Для этого была введена пустая команда (без управляющих сигналов). По умолчанию в алгоритме читаются два слова из оперативной памяти, далее идет определения типа команды – линейная / нелинейная. Далее в случае линейной команды читаются одно или два слова перед записью операндов в буферные регистры. Количество определяется способом адресации. Запись результата так же в зависимости от способа адресации производится в РП или ОП.</a:t>
+              <a:t>Далее перейдем непосредственно к алгоритму выполнения команд. Ранее я рассказывал про ветвление на два </a:t>
+            </a:r>
+            <a:r>
+              <a:rPr lang="ru-RU" sz="1200" b="0" kern="1200" dirty="0" err="1">
+                <a:solidFill>
+                  <a:schemeClr val="tx1"/>
+                </a:solidFill>
+                <a:effectLst/>
+                <a:latin typeface="+mn-lt"/>
+                <a:ea typeface="+mn-ea"/>
+                <a:cs typeface="+mn-cs"/>
+              </a:rPr>
+              <a:t>направляения</a:t>
+            </a:r>
+            <a:r>
+              <a:rPr lang="ru-RU" sz="1200" b="0" kern="1200" dirty="0">
+                <a:solidFill>
+                  <a:schemeClr val="tx1"/>
+                </a:solidFill>
+                <a:effectLst/>
+                <a:latin typeface="+mn-lt"/>
+                <a:ea typeface="+mn-ea"/>
+                <a:cs typeface="+mn-cs"/>
+              </a:rPr>
+              <a:t>, однако на данном слайде </a:t>
+            </a:r>
+            <a:r>
+              <a:rPr lang="ru-RU" sz="1200" b="0" kern="1200" dirty="0" err="1">
+                <a:solidFill>
+                  <a:schemeClr val="tx1"/>
+                </a:solidFill>
+                <a:effectLst/>
+                <a:latin typeface="+mn-lt"/>
+                <a:ea typeface="+mn-ea"/>
+                <a:cs typeface="+mn-cs"/>
+              </a:rPr>
+              <a:t>придутсвует</a:t>
+            </a:r>
+            <a:r>
+              <a:rPr lang="ru-RU" sz="1200" b="0" kern="1200" dirty="0">
+                <a:solidFill>
+                  <a:schemeClr val="tx1"/>
+                </a:solidFill>
+                <a:effectLst/>
+                <a:latin typeface="+mn-lt"/>
+                <a:ea typeface="+mn-ea"/>
+                <a:cs typeface="+mn-cs"/>
+              </a:rPr>
+              <a:t> ветвление на три направления. Для этого была введена пустая команда (без управляющих сигналов). По умолчанию в алгоритме сперва читаются два слова из оперативной памяти, далее идет определения типа команды – линейная / нелинейная. В случае линейной команды читаются одно или два слова перед записью операндов в буферные регистры. Количество определяется способом адресации. Запись результата так же в зависимости от способа адресации производится в РП или ОП.</a:t>
             </a:r>
           </a:p>
         </p:txBody>
@@ -1275,7 +1419,7 @@
                 <a:ea typeface="+mn-ea"/>
                 <a:cs typeface="+mn-cs"/>
               </a:rPr>
-              <a:t>На схеме представлена функциональная схема блока управления командами. Здесь я хотел бы остановиться на формировании исполнительного адреса при использовании </a:t>
+              <a:t>На схеме представлена функциональная схема блока управления командами. Для формирования исполнительного адреса при использовании </a:t>
             </a:r>
             <a:r>
               <a:rPr lang="ru-RU" sz="1200" b="0" kern="1200" dirty="0" err="1">
@@ -1299,7 +1443,7 @@
                 <a:ea typeface="+mn-ea"/>
                 <a:cs typeface="+mn-cs"/>
               </a:rPr>
-              <a:t> косвенной адресации. Был введен регистр исполнительного адреса </a:t>
+              <a:t> косвенной адресации был введен регистр исполнительного адреса </a:t>
             </a:r>
             <a:r>
               <a:rPr lang="en" sz="1200" b="0" kern="1200" dirty="0">
@@ -1470,23 +1614,6 @@
           <a:bodyPr/>
           <a:lstStyle/>
           <a:p>
-            <a:pPr marL="0" marR="0" lvl="0" indent="0" algn="l" defTabSz="914400" rtl="0" eaLnBrk="1" fontAlgn="auto" latinLnBrk="0" hangingPunct="1">
-              <a:lnSpc>
-                <a:spcPct val="100000"/>
-              </a:lnSpc>
-              <a:spcBef>
-                <a:spcPts val="0"/>
-              </a:spcBef>
-              <a:spcAft>
-                <a:spcPts val="0"/>
-              </a:spcAft>
-              <a:buClrTx/>
-              <a:buSzTx/>
-              <a:buFontTx/>
-              <a:buNone/>
-              <a:tabLst/>
-              <a:defRPr/>
-            </a:pPr>
             <a:r>
               <a:rPr lang="ru-RU" sz="1200" b="0" kern="1200" dirty="0">
                 <a:solidFill>
@@ -1497,7 +1624,7 @@
                 <a:ea typeface="+mn-ea"/>
                 <a:cs typeface="+mn-cs"/>
               </a:rPr>
-              <a:t>Переходя к АЛУ, необходимо рассказать про устройство, где сосредоточена основная логика работы АЛУ – блок операций. На функциональной схеме видно, что две операции (умножение и пересылка) были объединены с помощью КС1 которая выбирает операнд на вход сумматора. КС2 предварительно инвертирует операнд при заданном </a:t>
+              <a:t>Считанные операнды из памяти поступают в АЛУ, где обрабатываются в блоке операций. На функциональной схеме видно, что две операции (умножение и пересылка) были объединены с помощью КС1 которая выбирает операнд на вход сумматора. КС2 предварительно инвертирует операнд при заданном </a:t>
             </a:r>
             <a:r>
               <a:rPr lang="en" sz="1200" b="0" kern="1200" dirty="0">
@@ -2510,7 +2637,7 @@
           <a:p>
             <a:fld id="{101035BD-39C5-AF43-8801-48CE49CD8F2C}" type="datetime1">
               <a:rPr lang="ru-RU" smtClean="0"/>
-              <a:t>17.05.2020</a:t>
+              <a:t>19.05.2020</a:t>
             </a:fld>
             <a:endParaRPr lang="ru-RU"/>
           </a:p>
@@ -2708,7 +2835,7 @@
           <a:p>
             <a:fld id="{70E61DF6-50A6-014F-AA61-713FBD7FA69C}" type="datetime1">
               <a:rPr lang="ru-RU" smtClean="0"/>
-              <a:t>17.05.2020</a:t>
+              <a:t>19.05.2020</a:t>
             </a:fld>
             <a:endParaRPr lang="ru-RU"/>
           </a:p>
@@ -2916,7 +3043,7 @@
           <a:p>
             <a:fld id="{0B747977-6889-D745-85BB-74921460F14D}" type="datetime1">
               <a:rPr lang="ru-RU" smtClean="0"/>
-              <a:t>17.05.2020</a:t>
+              <a:t>19.05.2020</a:t>
             </a:fld>
             <a:endParaRPr lang="ru-RU"/>
           </a:p>
@@ -3114,7 +3241,7 @@
           <a:p>
             <a:fld id="{CE928BF4-236D-0D42-B318-7211976487AE}" type="datetime1">
               <a:rPr lang="ru-RU" smtClean="0"/>
-              <a:t>17.05.2020</a:t>
+              <a:t>19.05.2020</a:t>
             </a:fld>
             <a:endParaRPr lang="ru-RU"/>
           </a:p>
@@ -3389,7 +3516,7 @@
           <a:p>
             <a:fld id="{39DB2BDF-9D3E-394A-A28E-ECE18BA45B56}" type="datetime1">
               <a:rPr lang="ru-RU" smtClean="0"/>
-              <a:t>17.05.2020</a:t>
+              <a:t>19.05.2020</a:t>
             </a:fld>
             <a:endParaRPr lang="ru-RU"/>
           </a:p>
@@ -3654,7 +3781,7 @@
           <a:p>
             <a:fld id="{F8D8FEC3-CDC0-8B42-B0E8-720E7E222D9F}" type="datetime1">
               <a:rPr lang="ru-RU" smtClean="0"/>
-              <a:t>17.05.2020</a:t>
+              <a:t>19.05.2020</a:t>
             </a:fld>
             <a:endParaRPr lang="ru-RU"/>
           </a:p>
@@ -4066,7 +4193,7 @@
           <a:p>
             <a:fld id="{FCAB2EAE-7E72-AA4A-8300-ADB3D750F9E9}" type="datetime1">
               <a:rPr lang="ru-RU" smtClean="0"/>
-              <a:t>17.05.2020</a:t>
+              <a:t>19.05.2020</a:t>
             </a:fld>
             <a:endParaRPr lang="ru-RU"/>
           </a:p>
@@ -4207,7 +4334,7 @@
           <a:p>
             <a:fld id="{3C39839A-A3DB-D548-8729-4890099837DF}" type="datetime1">
               <a:rPr lang="ru-RU" smtClean="0"/>
-              <a:t>17.05.2020</a:t>
+              <a:t>19.05.2020</a:t>
             </a:fld>
             <a:endParaRPr lang="ru-RU"/>
           </a:p>
@@ -4320,7 +4447,7 @@
           <a:p>
             <a:fld id="{206BE30B-E622-554D-BFC2-234EF0591224}" type="datetime1">
               <a:rPr lang="ru-RU" smtClean="0"/>
-              <a:t>17.05.2020</a:t>
+              <a:t>19.05.2020</a:t>
             </a:fld>
             <a:endParaRPr lang="ru-RU"/>
           </a:p>
@@ -4631,7 +4758,7 @@
           <a:p>
             <a:fld id="{125FCBE5-3966-C141-ABE3-CCD0F917658F}" type="datetime1">
               <a:rPr lang="ru-RU" smtClean="0"/>
-              <a:t>17.05.2020</a:t>
+              <a:t>19.05.2020</a:t>
             </a:fld>
             <a:endParaRPr lang="ru-RU"/>
           </a:p>
@@ -4919,7 +5046,7 @@
           <a:p>
             <a:fld id="{CCD17F47-2B86-4548-94F1-0DD03A68AF81}" type="datetime1">
               <a:rPr lang="ru-RU" smtClean="0"/>
-              <a:t>17.05.2020</a:t>
+              <a:t>19.05.2020</a:t>
             </a:fld>
             <a:endParaRPr lang="ru-RU"/>
           </a:p>
@@ -5160,7 +5287,7 @@
           <a:p>
             <a:fld id="{4CB3BE03-9F2E-C44E-AA39-7DED8F19048E}" type="datetime1">
               <a:rPr lang="ru-RU" smtClean="0"/>
-              <a:t>17.05.2020</a:t>
+              <a:t>19.05.2020</a:t>
             </a:fld>
             <a:endParaRPr lang="ru-RU"/>
           </a:p>
@@ -5678,6 +5805,656 @@
     <p:extLst>
       <p:ext uri="{BB962C8B-B14F-4D97-AF65-F5344CB8AC3E}">
         <p14:creationId xmlns:p14="http://schemas.microsoft.com/office/powerpoint/2010/main" val="4176670822"/>
+      </p:ext>
+    </p:extLst>
+  </p:cSld>
+  <p:clrMapOvr>
+    <a:masterClrMapping/>
+  </p:clrMapOvr>
+</p:sld>
+</file>
+
+<file path=ppt/slides/slide10.xml><?xml version="1.0" encoding="utf-8"?>
+<p:sld xmlns:a="http://schemas.openxmlformats.org/drawingml/2006/main" xmlns:r="http://schemas.openxmlformats.org/officeDocument/2006/relationships" xmlns:p="http://schemas.openxmlformats.org/presentationml/2006/main">
+  <p:cSld>
+    <p:spTree>
+      <p:nvGrpSpPr>
+        <p:cNvPr id="1" name=""/>
+        <p:cNvGrpSpPr/>
+        <p:nvPr/>
+      </p:nvGrpSpPr>
+      <p:grpSpPr>
+        <a:xfrm>
+          <a:off x="0" y="0"/>
+          <a:ext cx="0" cy="0"/>
+          <a:chOff x="0" y="0"/>
+          <a:chExt cx="0" cy="0"/>
+        </a:xfrm>
+      </p:grpSpPr>
+      <p:sp>
+        <p:nvSpPr>
+          <p:cNvPr id="4" name="Номер слайда 3">
+            <a:extLst>
+              <a:ext uri="{FF2B5EF4-FFF2-40B4-BE49-F238E27FC236}">
+                <a16:creationId xmlns:a16="http://schemas.microsoft.com/office/drawing/2014/main" id="{F28CD81B-E648-9340-8CD6-E38336922163}"/>
+              </a:ext>
+            </a:extLst>
+          </p:cNvPr>
+          <p:cNvSpPr>
+            <a:spLocks noGrp="1"/>
+          </p:cNvSpPr>
+          <p:nvPr>
+            <p:ph type="sldNum" sz="quarter" idx="12"/>
+          </p:nvPr>
+        </p:nvSpPr>
+        <p:spPr/>
+        <p:txBody>
+          <a:bodyPr/>
+          <a:lstStyle/>
+          <a:p>
+            <a:fld id="{B1FF9090-64DF-B842-B99B-466A9E069C6D}" type="slidenum">
+              <a:rPr lang="ru-RU" smtClean="0"/>
+              <a:t>10</a:t>
+            </a:fld>
+            <a:endParaRPr lang="ru-RU"/>
+          </a:p>
+        </p:txBody>
+      </p:sp>
+      <p:pic>
+        <p:nvPicPr>
+          <p:cNvPr id="7" name="Рисунок 6">
+            <a:extLst>
+              <a:ext uri="{FF2B5EF4-FFF2-40B4-BE49-F238E27FC236}">
+                <a16:creationId xmlns:a16="http://schemas.microsoft.com/office/drawing/2014/main" id="{FDB5F813-584D-C04A-AA2E-2743B3A69BB1}"/>
+              </a:ext>
+            </a:extLst>
+          </p:cNvPr>
+          <p:cNvPicPr>
+            <a:picLocks noChangeAspect="1"/>
+          </p:cNvPicPr>
+          <p:nvPr/>
+        </p:nvPicPr>
+        <p:blipFill>
+          <a:blip r:embed="rId3"/>
+          <a:stretch>
+            <a:fillRect/>
+          </a:stretch>
+        </p:blipFill>
+        <p:spPr>
+          <a:xfrm>
+            <a:off x="207883" y="54239"/>
+            <a:ext cx="9294292" cy="6803761"/>
+          </a:xfrm>
+          <a:prstGeom prst="rect">
+            <a:avLst/>
+          </a:prstGeom>
+        </p:spPr>
+      </p:pic>
+      <p:sp>
+        <p:nvSpPr>
+          <p:cNvPr id="10" name="TextBox 9">
+            <a:extLst>
+              <a:ext uri="{FF2B5EF4-FFF2-40B4-BE49-F238E27FC236}">
+                <a16:creationId xmlns:a16="http://schemas.microsoft.com/office/drawing/2014/main" id="{5C22E701-C229-424B-94FB-A80311548FCB}"/>
+              </a:ext>
+            </a:extLst>
+          </p:cNvPr>
+          <p:cNvSpPr txBox="1"/>
+          <p:nvPr/>
+        </p:nvSpPr>
+        <p:spPr>
+          <a:xfrm>
+            <a:off x="9593013" y="4762113"/>
+            <a:ext cx="2391104" cy="369332"/>
+          </a:xfrm>
+          <a:prstGeom prst="rect">
+            <a:avLst/>
+          </a:prstGeom>
+          <a:noFill/>
+        </p:spPr>
+        <p:txBody>
+          <a:bodyPr wrap="none" rtlCol="0">
+            <a:spAutoFit/>
+          </a:bodyPr>
+          <a:lstStyle/>
+          <a:p>
+            <a:r>
+              <a:rPr lang="ru-RU" dirty="0"/>
+              <a:t>Среднее число тактов:</a:t>
+            </a:r>
+          </a:p>
+        </p:txBody>
+      </p:sp>
+      <p:sp>
+        <p:nvSpPr>
+          <p:cNvPr id="11" name="TextBox 10">
+            <a:extLst>
+              <a:ext uri="{FF2B5EF4-FFF2-40B4-BE49-F238E27FC236}">
+                <a16:creationId xmlns:a16="http://schemas.microsoft.com/office/drawing/2014/main" id="{685FEE36-EFD0-FE4E-ACEF-FD107810267E}"/>
+              </a:ext>
+            </a:extLst>
+          </p:cNvPr>
+          <p:cNvSpPr txBox="1"/>
+          <p:nvPr/>
+        </p:nvSpPr>
+        <p:spPr>
+          <a:xfrm>
+            <a:off x="9593013" y="5031151"/>
+            <a:ext cx="1393843" cy="369332"/>
+          </a:xfrm>
+          <a:prstGeom prst="rect">
+            <a:avLst/>
+          </a:prstGeom>
+          <a:noFill/>
+        </p:spPr>
+        <p:txBody>
+          <a:bodyPr wrap="none" rtlCol="0">
+            <a:spAutoFit/>
+          </a:bodyPr>
+          <a:lstStyle/>
+          <a:p>
+            <a:r>
+              <a:rPr lang="ru-RU" dirty="0"/>
+              <a:t>Умножение:</a:t>
+            </a:r>
+          </a:p>
+        </p:txBody>
+      </p:sp>
+      <p:sp>
+        <p:nvSpPr>
+          <p:cNvPr id="12" name="TextBox 11">
+            <a:extLst>
+              <a:ext uri="{FF2B5EF4-FFF2-40B4-BE49-F238E27FC236}">
+                <a16:creationId xmlns:a16="http://schemas.microsoft.com/office/drawing/2014/main" id="{07650E75-C240-5C48-B4D4-FF3BBE893999}"/>
+              </a:ext>
+            </a:extLst>
+          </p:cNvPr>
+          <p:cNvSpPr txBox="1"/>
+          <p:nvPr/>
+        </p:nvSpPr>
+        <p:spPr>
+          <a:xfrm>
+            <a:off x="11046040" y="5040409"/>
+            <a:ext cx="938077" cy="369332"/>
+          </a:xfrm>
+          <a:prstGeom prst="rect">
+            <a:avLst/>
+          </a:prstGeom>
+          <a:noFill/>
+        </p:spPr>
+        <p:txBody>
+          <a:bodyPr wrap="none" rtlCol="0">
+            <a:spAutoFit/>
+          </a:bodyPr>
+          <a:lstStyle/>
+          <a:p>
+            <a:r>
+              <a:rPr lang="ru-RU" dirty="0"/>
+              <a:t>5-8 АЛУ</a:t>
+            </a:r>
+          </a:p>
+        </p:txBody>
+      </p:sp>
+      <p:sp>
+        <p:nvSpPr>
+          <p:cNvPr id="13" name="TextBox 12">
+            <a:extLst>
+              <a:ext uri="{FF2B5EF4-FFF2-40B4-BE49-F238E27FC236}">
+                <a16:creationId xmlns:a16="http://schemas.microsoft.com/office/drawing/2014/main" id="{F29CCEC2-E498-7649-B13C-949550C5DFBD}"/>
+              </a:ext>
+            </a:extLst>
+          </p:cNvPr>
+          <p:cNvSpPr txBox="1"/>
+          <p:nvPr/>
+        </p:nvSpPr>
+        <p:spPr>
+          <a:xfrm>
+            <a:off x="10935945" y="5418999"/>
+            <a:ext cx="1048172" cy="369332"/>
+          </a:xfrm>
+          <a:prstGeom prst="rect">
+            <a:avLst/>
+          </a:prstGeom>
+          <a:noFill/>
+        </p:spPr>
+        <p:txBody>
+          <a:bodyPr wrap="none" rtlCol="0">
+            <a:spAutoFit/>
+          </a:bodyPr>
+          <a:lstStyle/>
+          <a:p>
+            <a:r>
+              <a:rPr lang="ru-RU" dirty="0"/>
+              <a:t>6-10 ЦУУ</a:t>
+            </a:r>
+          </a:p>
+        </p:txBody>
+      </p:sp>
+      <p:sp>
+        <p:nvSpPr>
+          <p:cNvPr id="14" name="TextBox 13">
+            <a:extLst>
+              <a:ext uri="{FF2B5EF4-FFF2-40B4-BE49-F238E27FC236}">
+                <a16:creationId xmlns:a16="http://schemas.microsoft.com/office/drawing/2014/main" id="{4100B05D-BD69-6140-A33C-4BEEC1F0DE37}"/>
+              </a:ext>
+            </a:extLst>
+          </p:cNvPr>
+          <p:cNvSpPr txBox="1"/>
+          <p:nvPr/>
+        </p:nvSpPr>
+        <p:spPr>
+          <a:xfrm>
+            <a:off x="9593013" y="5725277"/>
+            <a:ext cx="1327415" cy="369332"/>
+          </a:xfrm>
+          <a:prstGeom prst="rect">
+            <a:avLst/>
+          </a:prstGeom>
+          <a:noFill/>
+        </p:spPr>
+        <p:txBody>
+          <a:bodyPr wrap="none" rtlCol="0">
+            <a:spAutoFit/>
+          </a:bodyPr>
+          <a:lstStyle/>
+          <a:p>
+            <a:r>
+              <a:rPr lang="ru-RU" dirty="0"/>
+              <a:t>Пересылка:</a:t>
+            </a:r>
+          </a:p>
+        </p:txBody>
+      </p:sp>
+      <p:sp>
+        <p:nvSpPr>
+          <p:cNvPr id="15" name="TextBox 14">
+            <a:extLst>
+              <a:ext uri="{FF2B5EF4-FFF2-40B4-BE49-F238E27FC236}">
+                <a16:creationId xmlns:a16="http://schemas.microsoft.com/office/drawing/2014/main" id="{D5F4D018-D862-5F4B-AC7F-FE666F571A2A}"/>
+              </a:ext>
+            </a:extLst>
+          </p:cNvPr>
+          <p:cNvSpPr txBox="1"/>
+          <p:nvPr/>
+        </p:nvSpPr>
+        <p:spPr>
+          <a:xfrm>
+            <a:off x="11046040" y="5743793"/>
+            <a:ext cx="938077" cy="369332"/>
+          </a:xfrm>
+          <a:prstGeom prst="rect">
+            <a:avLst/>
+          </a:prstGeom>
+          <a:noFill/>
+        </p:spPr>
+        <p:txBody>
+          <a:bodyPr wrap="none" rtlCol="0">
+            <a:spAutoFit/>
+          </a:bodyPr>
+          <a:lstStyle/>
+          <a:p>
+            <a:r>
+              <a:rPr lang="ru-RU" dirty="0"/>
+              <a:t>2-3 АЛУ</a:t>
+            </a:r>
+          </a:p>
+        </p:txBody>
+      </p:sp>
+      <p:sp>
+        <p:nvSpPr>
+          <p:cNvPr id="16" name="TextBox 15">
+            <a:extLst>
+              <a:ext uri="{FF2B5EF4-FFF2-40B4-BE49-F238E27FC236}">
+                <a16:creationId xmlns:a16="http://schemas.microsoft.com/office/drawing/2014/main" id="{74740DE0-88AF-1D4D-9E4D-6E20257D24DC}"/>
+              </a:ext>
+            </a:extLst>
+          </p:cNvPr>
+          <p:cNvSpPr txBox="1"/>
+          <p:nvPr/>
+        </p:nvSpPr>
+        <p:spPr>
+          <a:xfrm>
+            <a:off x="10935945" y="6131641"/>
+            <a:ext cx="1048172" cy="369332"/>
+          </a:xfrm>
+          <a:prstGeom prst="rect">
+            <a:avLst/>
+          </a:prstGeom>
+          <a:noFill/>
+        </p:spPr>
+        <p:txBody>
+          <a:bodyPr wrap="none" rtlCol="0">
+            <a:spAutoFit/>
+          </a:bodyPr>
+          <a:lstStyle/>
+          <a:p>
+            <a:r>
+              <a:rPr lang="ru-RU" dirty="0"/>
+              <a:t>6-10 ЦУУ</a:t>
+            </a:r>
+          </a:p>
+        </p:txBody>
+      </p:sp>
+      <p:sp>
+        <p:nvSpPr>
+          <p:cNvPr id="17" name="Закрывающая фигурная скобка 16">
+            <a:extLst>
+              <a:ext uri="{FF2B5EF4-FFF2-40B4-BE49-F238E27FC236}">
+                <a16:creationId xmlns:a16="http://schemas.microsoft.com/office/drawing/2014/main" id="{DA29802C-FF71-214E-BD82-FEDACC4C2831}"/>
+              </a:ext>
+            </a:extLst>
+          </p:cNvPr>
+          <p:cNvSpPr/>
+          <p:nvPr/>
+        </p:nvSpPr>
+        <p:spPr>
+          <a:xfrm>
+            <a:off x="9502175" y="734786"/>
+            <a:ext cx="213325" cy="898071"/>
+          </a:xfrm>
+          <a:prstGeom prst="rightBrace">
+            <a:avLst/>
+          </a:prstGeom>
+        </p:spPr>
+        <p:style>
+          <a:lnRef idx="1">
+            <a:schemeClr val="dk1"/>
+          </a:lnRef>
+          <a:fillRef idx="0">
+            <a:schemeClr val="dk1"/>
+          </a:fillRef>
+          <a:effectRef idx="0">
+            <a:schemeClr val="dk1"/>
+          </a:effectRef>
+          <a:fontRef idx="minor">
+            <a:schemeClr val="tx1"/>
+          </a:fontRef>
+        </p:style>
+        <p:txBody>
+          <a:bodyPr rtlCol="0" anchor="ctr"/>
+          <a:lstStyle/>
+          <a:p>
+            <a:pPr algn="ctr"/>
+            <a:endParaRPr lang="ru-RU"/>
+          </a:p>
+        </p:txBody>
+      </p:sp>
+      <p:sp>
+        <p:nvSpPr>
+          <p:cNvPr id="18" name="Закрывающая фигурная скобка 17">
+            <a:extLst>
+              <a:ext uri="{FF2B5EF4-FFF2-40B4-BE49-F238E27FC236}">
+                <a16:creationId xmlns:a16="http://schemas.microsoft.com/office/drawing/2014/main" id="{94C495D2-56F1-E44D-8FE6-DE57C64520C2}"/>
+              </a:ext>
+            </a:extLst>
+          </p:cNvPr>
+          <p:cNvSpPr/>
+          <p:nvPr/>
+        </p:nvSpPr>
+        <p:spPr>
+          <a:xfrm>
+            <a:off x="9502175" y="1747157"/>
+            <a:ext cx="213325" cy="1958795"/>
+          </a:xfrm>
+          <a:prstGeom prst="rightBrace">
+            <a:avLst/>
+          </a:prstGeom>
+        </p:spPr>
+        <p:style>
+          <a:lnRef idx="1">
+            <a:schemeClr val="dk1"/>
+          </a:lnRef>
+          <a:fillRef idx="0">
+            <a:schemeClr val="dk1"/>
+          </a:fillRef>
+          <a:effectRef idx="0">
+            <a:schemeClr val="dk1"/>
+          </a:effectRef>
+          <a:fontRef idx="minor">
+            <a:schemeClr val="tx1"/>
+          </a:fontRef>
+        </p:style>
+        <p:txBody>
+          <a:bodyPr rtlCol="0" anchor="ctr"/>
+          <a:lstStyle/>
+          <a:p>
+            <a:pPr algn="ctr"/>
+            <a:endParaRPr lang="ru-RU"/>
+          </a:p>
+        </p:txBody>
+      </p:sp>
+      <p:sp>
+        <p:nvSpPr>
+          <p:cNvPr id="19" name="Закрывающая фигурная скобка 18">
+            <a:extLst>
+              <a:ext uri="{FF2B5EF4-FFF2-40B4-BE49-F238E27FC236}">
+                <a16:creationId xmlns:a16="http://schemas.microsoft.com/office/drawing/2014/main" id="{166B4551-6CDC-FE42-87F6-23666B9D2E1B}"/>
+              </a:ext>
+            </a:extLst>
+          </p:cNvPr>
+          <p:cNvSpPr/>
+          <p:nvPr/>
+        </p:nvSpPr>
+        <p:spPr>
+          <a:xfrm>
+            <a:off x="9502175" y="3771268"/>
+            <a:ext cx="213325" cy="955867"/>
+          </a:xfrm>
+          <a:prstGeom prst="rightBrace">
+            <a:avLst/>
+          </a:prstGeom>
+        </p:spPr>
+        <p:style>
+          <a:lnRef idx="1">
+            <a:schemeClr val="dk1"/>
+          </a:lnRef>
+          <a:fillRef idx="0">
+            <a:schemeClr val="dk1"/>
+          </a:fillRef>
+          <a:effectRef idx="0">
+            <a:schemeClr val="dk1"/>
+          </a:effectRef>
+          <a:fontRef idx="minor">
+            <a:schemeClr val="tx1"/>
+          </a:fontRef>
+        </p:style>
+        <p:txBody>
+          <a:bodyPr rtlCol="0" anchor="ctr"/>
+          <a:lstStyle/>
+          <a:p>
+            <a:pPr algn="ctr"/>
+            <a:endParaRPr lang="ru-RU"/>
+          </a:p>
+        </p:txBody>
+      </p:sp>
+      <p:sp>
+        <p:nvSpPr>
+          <p:cNvPr id="20" name="TextBox 19">
+            <a:extLst>
+              <a:ext uri="{FF2B5EF4-FFF2-40B4-BE49-F238E27FC236}">
+                <a16:creationId xmlns:a16="http://schemas.microsoft.com/office/drawing/2014/main" id="{E0DE1B2F-ED22-BF46-AFA9-386449CE19E0}"/>
+              </a:ext>
+            </a:extLst>
+          </p:cNvPr>
+          <p:cNvSpPr txBox="1"/>
+          <p:nvPr/>
+        </p:nvSpPr>
+        <p:spPr>
+          <a:xfrm>
+            <a:off x="9760631" y="974663"/>
+            <a:ext cx="630301" cy="369332"/>
+          </a:xfrm>
+          <a:prstGeom prst="rect">
+            <a:avLst/>
+          </a:prstGeom>
+          <a:noFill/>
+        </p:spPr>
+        <p:txBody>
+          <a:bodyPr wrap="none" rtlCol="0">
+            <a:spAutoFit/>
+          </a:bodyPr>
+          <a:lstStyle/>
+          <a:p>
+            <a:r>
+              <a:rPr lang="ru-RU" dirty="0"/>
+              <a:t>БМК</a:t>
+            </a:r>
+          </a:p>
+        </p:txBody>
+      </p:sp>
+      <p:sp>
+        <p:nvSpPr>
+          <p:cNvPr id="21" name="TextBox 20">
+            <a:extLst>
+              <a:ext uri="{FF2B5EF4-FFF2-40B4-BE49-F238E27FC236}">
+                <a16:creationId xmlns:a16="http://schemas.microsoft.com/office/drawing/2014/main" id="{FE9DF0B5-5363-6C44-957F-7A03AF28D101}"/>
+              </a:ext>
+            </a:extLst>
+          </p:cNvPr>
+          <p:cNvSpPr txBox="1"/>
+          <p:nvPr/>
+        </p:nvSpPr>
+        <p:spPr>
+          <a:xfrm>
+            <a:off x="9738698" y="2541888"/>
+            <a:ext cx="553613" cy="369332"/>
+          </a:xfrm>
+          <a:prstGeom prst="rect">
+            <a:avLst/>
+          </a:prstGeom>
+          <a:noFill/>
+        </p:spPr>
+        <p:txBody>
+          <a:bodyPr wrap="none" rtlCol="0">
+            <a:spAutoFit/>
+          </a:bodyPr>
+          <a:lstStyle/>
+          <a:p>
+            <a:r>
+              <a:rPr lang="ru-RU" dirty="0"/>
+              <a:t>БУК</a:t>
+            </a:r>
+          </a:p>
+        </p:txBody>
+      </p:sp>
+      <p:sp>
+        <p:nvSpPr>
+          <p:cNvPr id="22" name="TextBox 21">
+            <a:extLst>
+              <a:ext uri="{FF2B5EF4-FFF2-40B4-BE49-F238E27FC236}">
+                <a16:creationId xmlns:a16="http://schemas.microsoft.com/office/drawing/2014/main" id="{EF293929-CBCE-DF41-9A59-31CCD989A42B}"/>
+              </a:ext>
+            </a:extLst>
+          </p:cNvPr>
+          <p:cNvSpPr txBox="1"/>
+          <p:nvPr/>
+        </p:nvSpPr>
+        <p:spPr>
+          <a:xfrm>
+            <a:off x="9738698" y="4085387"/>
+            <a:ext cx="580608" cy="369332"/>
+          </a:xfrm>
+          <a:prstGeom prst="rect">
+            <a:avLst/>
+          </a:prstGeom>
+          <a:noFill/>
+        </p:spPr>
+        <p:txBody>
+          <a:bodyPr wrap="none" rtlCol="0">
+            <a:spAutoFit/>
+          </a:bodyPr>
+          <a:lstStyle/>
+          <a:p>
+            <a:r>
+              <a:rPr lang="ru-RU" dirty="0"/>
+              <a:t>АЛУ</a:t>
+            </a:r>
+          </a:p>
+        </p:txBody>
+      </p:sp>
+      <p:sp>
+        <p:nvSpPr>
+          <p:cNvPr id="23" name="Закрывающая фигурная скобка 22">
+            <a:extLst>
+              <a:ext uri="{FF2B5EF4-FFF2-40B4-BE49-F238E27FC236}">
+                <a16:creationId xmlns:a16="http://schemas.microsoft.com/office/drawing/2014/main" id="{F014A276-CB26-F643-A943-7C94423CDCE7}"/>
+              </a:ext>
+            </a:extLst>
+          </p:cNvPr>
+          <p:cNvSpPr/>
+          <p:nvPr/>
+        </p:nvSpPr>
+        <p:spPr>
+          <a:xfrm>
+            <a:off x="10390932" y="958334"/>
+            <a:ext cx="222639" cy="1936557"/>
+          </a:xfrm>
+          <a:prstGeom prst="rightBrace">
+            <a:avLst/>
+          </a:prstGeom>
+        </p:spPr>
+        <p:style>
+          <a:lnRef idx="1">
+            <a:schemeClr val="dk1"/>
+          </a:lnRef>
+          <a:fillRef idx="0">
+            <a:schemeClr val="dk1"/>
+          </a:fillRef>
+          <a:effectRef idx="0">
+            <a:schemeClr val="dk1"/>
+          </a:effectRef>
+          <a:fontRef idx="minor">
+            <a:schemeClr val="tx1"/>
+          </a:fontRef>
+        </p:style>
+        <p:txBody>
+          <a:bodyPr rtlCol="0" anchor="ctr"/>
+          <a:lstStyle/>
+          <a:p>
+            <a:pPr algn="ctr"/>
+            <a:endParaRPr lang="ru-RU"/>
+          </a:p>
+        </p:txBody>
+      </p:sp>
+      <p:sp>
+        <p:nvSpPr>
+          <p:cNvPr id="24" name="TextBox 23">
+            <a:extLst>
+              <a:ext uri="{FF2B5EF4-FFF2-40B4-BE49-F238E27FC236}">
+                <a16:creationId xmlns:a16="http://schemas.microsoft.com/office/drawing/2014/main" id="{6D37F8BD-CAF9-B343-8D1E-3E214181E748}"/>
+              </a:ext>
+            </a:extLst>
+          </p:cNvPr>
+          <p:cNvSpPr txBox="1"/>
+          <p:nvPr/>
+        </p:nvSpPr>
+        <p:spPr>
+          <a:xfrm>
+            <a:off x="10649103" y="1747157"/>
+            <a:ext cx="573683" cy="369332"/>
+          </a:xfrm>
+          <a:prstGeom prst="rect">
+            <a:avLst/>
+          </a:prstGeom>
+          <a:noFill/>
+        </p:spPr>
+        <p:txBody>
+          <a:bodyPr wrap="none" rtlCol="0">
+            <a:spAutoFit/>
+          </a:bodyPr>
+          <a:lstStyle/>
+          <a:p>
+            <a:r>
+              <a:rPr lang="ru-RU" dirty="0"/>
+              <a:t>ЦУУ</a:t>
+            </a:r>
+          </a:p>
+        </p:txBody>
+      </p:sp>
+    </p:spTree>
+    <p:extLst>
+      <p:ext uri="{BB962C8B-B14F-4D97-AF65-F5344CB8AC3E}">
+        <p14:creationId xmlns:p14="http://schemas.microsoft.com/office/powerpoint/2010/main" val="3966202027"/>
       </p:ext>
     </p:extLst>
   </p:cSld>

--- a/docs/Готовое/процессор.pptx
+++ b/docs/Готовое/процессор.pptx
@@ -632,23 +632,6 @@
           <a:bodyPr/>
           <a:lstStyle/>
           <a:p>
-            <a:pPr marL="0" marR="0" lvl="0" indent="0" algn="l" defTabSz="914400" rtl="0" eaLnBrk="1" fontAlgn="auto" latinLnBrk="0" hangingPunct="1">
-              <a:lnSpc>
-                <a:spcPct val="100000"/>
-              </a:lnSpc>
-              <a:spcBef>
-                <a:spcPts val="0"/>
-              </a:spcBef>
-              <a:spcAft>
-                <a:spcPts val="0"/>
-              </a:spcAft>
-              <a:buClrTx/>
-              <a:buSzTx/>
-              <a:buFontTx/>
-              <a:buNone/>
-              <a:tabLst/>
-              <a:defRPr/>
-            </a:pPr>
             <a:r>
               <a:rPr lang="ru-RU" sz="1200" b="0" kern="1200" dirty="0">
                 <a:solidFill>
@@ -659,7 +642,31 @@
                 <a:ea typeface="+mn-ea"/>
                 <a:cs typeface="+mn-cs"/>
               </a:rPr>
-              <a:t>На данном слайде показано функциональное моделирование процессора. Выполняется операция пересылки и нескольких переходов. Для этого фрагмента АЛУ работает всего 3 такта, тогда как все остальное время активны БУК и БМК. После подсчета тактов выяснено, что работа АЛУ занимает примерно 40-50% времени выполнения линейных команд. Остальные 50-60% и время выполнения операций перехода затрачивается на ЦУУ.</a:t>
+              <a:t>Для каждого из спроектированных блоков было выполнено моделирование и тестирование. Блоки были соединены вместе, образуя процессор. На данном слайде показано функциональное моделирование процессора. Выполняется операция пересылки и нескольких переходов. Для этого фрагмента АЛУ работает всего 3 такта, тогда как все остальное время активны БУК и БМК. После подсчета тактов выяснено, что работа АЛУ занимает примерно 30-50% времени выполнения линейных команд. </a:t>
+            </a:r>
+            <a:r>
+              <a:rPr lang="ru-RU" sz="1200" b="0" kern="1200">
+                <a:solidFill>
+                  <a:schemeClr val="tx1"/>
+                </a:solidFill>
+                <a:effectLst/>
+                <a:latin typeface="+mn-lt"/>
+                <a:ea typeface="+mn-ea"/>
+                <a:cs typeface="+mn-cs"/>
+              </a:rPr>
+              <a:t>Остальные 50-70</a:t>
+            </a:r>
+            <a:r>
+              <a:rPr lang="ru-RU" sz="1200" b="0" kern="1200" dirty="0">
+                <a:solidFill>
+                  <a:schemeClr val="tx1"/>
+                </a:solidFill>
+                <a:effectLst/>
+                <a:latin typeface="+mn-lt"/>
+                <a:ea typeface="+mn-ea"/>
+                <a:cs typeface="+mn-cs"/>
+              </a:rPr>
+              <a:t>% и время выполнения операций перехода затрачивается на ЦУУ.</a:t>
             </a:r>
           </a:p>
         </p:txBody>

--- a/docs/Готовое/процессор.pptx
+++ b/docs/Готовое/процессор.pptx
@@ -206,7 +206,7 @@
           <a:p>
             <a:fld id="{B373F890-5DCF-8C40-80C0-26B9CFF548BC}" type="datetimeFigureOut">
               <a:rPr lang="ru-RU" smtClean="0"/>
-              <a:t>19.05.2020</a:t>
+              <a:t>20.05.2020</a:t>
             </a:fld>
             <a:endParaRPr lang="ru-RU"/>
           </a:p>
@@ -2644,7 +2644,7 @@
           <a:p>
             <a:fld id="{101035BD-39C5-AF43-8801-48CE49CD8F2C}" type="datetime1">
               <a:rPr lang="ru-RU" smtClean="0"/>
-              <a:t>19.05.2020</a:t>
+              <a:t>20.05.2020</a:t>
             </a:fld>
             <a:endParaRPr lang="ru-RU"/>
           </a:p>
@@ -2842,7 +2842,7 @@
           <a:p>
             <a:fld id="{70E61DF6-50A6-014F-AA61-713FBD7FA69C}" type="datetime1">
               <a:rPr lang="ru-RU" smtClean="0"/>
-              <a:t>19.05.2020</a:t>
+              <a:t>20.05.2020</a:t>
             </a:fld>
             <a:endParaRPr lang="ru-RU"/>
           </a:p>
@@ -3050,7 +3050,7 @@
           <a:p>
             <a:fld id="{0B747977-6889-D745-85BB-74921460F14D}" type="datetime1">
               <a:rPr lang="ru-RU" smtClean="0"/>
-              <a:t>19.05.2020</a:t>
+              <a:t>20.05.2020</a:t>
             </a:fld>
             <a:endParaRPr lang="ru-RU"/>
           </a:p>
@@ -3248,7 +3248,7 @@
           <a:p>
             <a:fld id="{CE928BF4-236D-0D42-B318-7211976487AE}" type="datetime1">
               <a:rPr lang="ru-RU" smtClean="0"/>
-              <a:t>19.05.2020</a:t>
+              <a:t>20.05.2020</a:t>
             </a:fld>
             <a:endParaRPr lang="ru-RU"/>
           </a:p>
@@ -3523,7 +3523,7 @@
           <a:p>
             <a:fld id="{39DB2BDF-9D3E-394A-A28E-ECE18BA45B56}" type="datetime1">
               <a:rPr lang="ru-RU" smtClean="0"/>
-              <a:t>19.05.2020</a:t>
+              <a:t>20.05.2020</a:t>
             </a:fld>
             <a:endParaRPr lang="ru-RU"/>
           </a:p>
@@ -3788,7 +3788,7 @@
           <a:p>
             <a:fld id="{F8D8FEC3-CDC0-8B42-B0E8-720E7E222D9F}" type="datetime1">
               <a:rPr lang="ru-RU" smtClean="0"/>
-              <a:t>19.05.2020</a:t>
+              <a:t>20.05.2020</a:t>
             </a:fld>
             <a:endParaRPr lang="ru-RU"/>
           </a:p>
@@ -4200,7 +4200,7 @@
           <a:p>
             <a:fld id="{FCAB2EAE-7E72-AA4A-8300-ADB3D750F9E9}" type="datetime1">
               <a:rPr lang="ru-RU" smtClean="0"/>
-              <a:t>19.05.2020</a:t>
+              <a:t>20.05.2020</a:t>
             </a:fld>
             <a:endParaRPr lang="ru-RU"/>
           </a:p>
@@ -4341,7 +4341,7 @@
           <a:p>
             <a:fld id="{3C39839A-A3DB-D548-8729-4890099837DF}" type="datetime1">
               <a:rPr lang="ru-RU" smtClean="0"/>
-              <a:t>19.05.2020</a:t>
+              <a:t>20.05.2020</a:t>
             </a:fld>
             <a:endParaRPr lang="ru-RU"/>
           </a:p>
@@ -4454,7 +4454,7 @@
           <a:p>
             <a:fld id="{206BE30B-E622-554D-BFC2-234EF0591224}" type="datetime1">
               <a:rPr lang="ru-RU" smtClean="0"/>
-              <a:t>19.05.2020</a:t>
+              <a:t>20.05.2020</a:t>
             </a:fld>
             <a:endParaRPr lang="ru-RU"/>
           </a:p>
@@ -4765,7 +4765,7 @@
           <a:p>
             <a:fld id="{125FCBE5-3966-C141-ABE3-CCD0F917658F}" type="datetime1">
               <a:rPr lang="ru-RU" smtClean="0"/>
-              <a:t>19.05.2020</a:t>
+              <a:t>20.05.2020</a:t>
             </a:fld>
             <a:endParaRPr lang="ru-RU"/>
           </a:p>
@@ -5053,7 +5053,7 @@
           <a:p>
             <a:fld id="{CCD17F47-2B86-4548-94F1-0DD03A68AF81}" type="datetime1">
               <a:rPr lang="ru-RU" smtClean="0"/>
-              <a:t>19.05.2020</a:t>
+              <a:t>20.05.2020</a:t>
             </a:fld>
             <a:endParaRPr lang="ru-RU"/>
           </a:p>
@@ -5294,7 +5294,7 @@
           <a:p>
             <a:fld id="{4CB3BE03-9F2E-C44E-AA39-7DED8F19048E}" type="datetime1">
               <a:rPr lang="ru-RU" smtClean="0"/>
-              <a:t>19.05.2020</a:t>
+              <a:t>20.05.2020</a:t>
             </a:fld>
             <a:endParaRPr lang="ru-RU"/>
           </a:p>
@@ -6086,8 +6086,8 @@
         </p:nvSpPr>
         <p:spPr>
           <a:xfrm>
-            <a:off x="11046040" y="5743793"/>
-            <a:ext cx="938077" cy="369332"/>
+            <a:off x="11222786" y="5762309"/>
+            <a:ext cx="750526" cy="369332"/>
           </a:xfrm>
           <a:prstGeom prst="rect">
             <a:avLst/>
@@ -6102,7 +6102,7 @@
           <a:p>
             <a:r>
               <a:rPr lang="ru-RU" dirty="0"/>
-              <a:t>2-3 АЛУ</a:t>
+              <a:t>3 АЛУ</a:t>
             </a:r>
           </a:p>
         </p:txBody>
